--- a/Documentos/Presentacion_PosmortemCiclo2.pptx
+++ b/Documentos/Presentacion_PosmortemCiclo2.pptx
@@ -192,7 +192,7 @@
           <a:noFill/>
           <a:extLst>
             <a:ext uri="{909E8E84-426E-40dd-AFC4-6F175D3DCCD1}">
-              <a14:hiddenFill xmlns:a14="http://schemas.microsoft.com/office/drawing/2010/main" xmlns="">
+              <a14:hiddenFill xmlns="" xmlns:a14="http://schemas.microsoft.com/office/drawing/2010/main">
                 <a:solidFill>
                   <a:srgbClr val="FFFFFF"/>
                 </a:solidFill>
@@ -251,7 +251,7 @@
             </a:ln>
             <a:extLst>
               <a:ext uri="{91240B29-F687-4f45-9708-019B960494DF}">
-                <a14:hiddenLine xmlns:a14="http://schemas.microsoft.com/office/drawing/2010/main" xmlns="" w="9525">
+                <a14:hiddenLine xmlns="" xmlns:a14="http://schemas.microsoft.com/office/drawing/2010/main" w="9525">
                   <a:solidFill>
                     <a:srgbClr val="000000"/>
                   </a:solidFill>
@@ -341,7 +341,7 @@
             </a:ln>
             <a:extLst>
               <a:ext uri="{91240B29-F687-4f45-9708-019B960494DF}">
-                <a14:hiddenLine xmlns:a14="http://schemas.microsoft.com/office/drawing/2010/main" xmlns="" w="9525">
+                <a14:hiddenLine xmlns="" xmlns:a14="http://schemas.microsoft.com/office/drawing/2010/main" w="9525">
                   <a:solidFill>
                     <a:srgbClr val="000000"/>
                   </a:solidFill>
@@ -431,7 +431,7 @@
             </a:ln>
             <a:extLst>
               <a:ext uri="{91240B29-F687-4f45-9708-019B960494DF}">
-                <a14:hiddenLine xmlns:a14="http://schemas.microsoft.com/office/drawing/2010/main" xmlns="" w="9525">
+                <a14:hiddenLine xmlns="" xmlns:a14="http://schemas.microsoft.com/office/drawing/2010/main" w="9525">
                   <a:solidFill>
                     <a:srgbClr val="000000"/>
                   </a:solidFill>
@@ -465,7 +465,7 @@
             </a:ln>
             <a:extLst>
               <a:ext uri="{91240B29-F687-4f45-9708-019B960494DF}">
-                <a14:hiddenLine xmlns:a14="http://schemas.microsoft.com/office/drawing/2010/main" xmlns="" w="9525">
+                <a14:hiddenLine xmlns="" xmlns:a14="http://schemas.microsoft.com/office/drawing/2010/main" w="9525">
                   <a:solidFill>
                     <a:srgbClr val="000000"/>
                   </a:solidFill>
@@ -555,7 +555,7 @@
             </a:ln>
             <a:extLst>
               <a:ext uri="{91240B29-F687-4f45-9708-019B960494DF}">
-                <a14:hiddenLine xmlns:a14="http://schemas.microsoft.com/office/drawing/2010/main" xmlns="" w="9525">
+                <a14:hiddenLine xmlns="" xmlns:a14="http://schemas.microsoft.com/office/drawing/2010/main" w="9525">
                   <a:solidFill>
                     <a:srgbClr val="000000"/>
                   </a:solidFill>
@@ -617,7 +617,7 @@
             </a:ln>
             <a:extLst>
               <a:ext uri="{91240B29-F687-4f45-9708-019B960494DF}">
-                <a14:hiddenLine xmlns:a14="http://schemas.microsoft.com/office/drawing/2010/main" xmlns="" w="9525">
+                <a14:hiddenLine xmlns="" xmlns:a14="http://schemas.microsoft.com/office/drawing/2010/main" w="9525">
                   <a:solidFill>
                     <a:srgbClr val="000000"/>
                   </a:solidFill>
@@ -679,7 +679,7 @@
             </a:ln>
             <a:extLst>
               <a:ext uri="{91240B29-F687-4f45-9708-019B960494DF}">
-                <a14:hiddenLine xmlns:a14="http://schemas.microsoft.com/office/drawing/2010/main" xmlns="" w="9525">
+                <a14:hiddenLine xmlns="" xmlns:a14="http://schemas.microsoft.com/office/drawing/2010/main" w="9525">
                   <a:solidFill>
                     <a:srgbClr val="000000"/>
                   </a:solidFill>
@@ -769,7 +769,7 @@
             </a:ln>
             <a:extLst>
               <a:ext uri="{91240B29-F687-4f45-9708-019B960494DF}">
-                <a14:hiddenLine xmlns:a14="http://schemas.microsoft.com/office/drawing/2010/main" xmlns="" w="9525">
+                <a14:hiddenLine xmlns="" xmlns:a14="http://schemas.microsoft.com/office/drawing/2010/main" w="9525">
                   <a:solidFill>
                     <a:srgbClr val="000000"/>
                   </a:solidFill>
@@ -831,7 +831,7 @@
             </a:ln>
             <a:extLst>
               <a:ext uri="{91240B29-F687-4f45-9708-019B960494DF}">
-                <a14:hiddenLine xmlns:a14="http://schemas.microsoft.com/office/drawing/2010/main" xmlns="" w="9525">
+                <a14:hiddenLine xmlns="" xmlns:a14="http://schemas.microsoft.com/office/drawing/2010/main" w="9525">
                   <a:solidFill>
                     <a:srgbClr val="000000"/>
                   </a:solidFill>
@@ -893,7 +893,7 @@
             </a:ln>
             <a:extLst>
               <a:ext uri="{91240B29-F687-4f45-9708-019B960494DF}">
-                <a14:hiddenLine xmlns:a14="http://schemas.microsoft.com/office/drawing/2010/main" xmlns="" w="9525">
+                <a14:hiddenLine xmlns="" xmlns:a14="http://schemas.microsoft.com/office/drawing/2010/main" w="9525">
                   <a:solidFill>
                     <a:srgbClr val="000000"/>
                   </a:solidFill>
@@ -983,7 +983,7 @@
             </a:ln>
             <a:extLst>
               <a:ext uri="{91240B29-F687-4f45-9708-019B960494DF}">
-                <a14:hiddenLine xmlns:a14="http://schemas.microsoft.com/office/drawing/2010/main" xmlns="" w="9525">
+                <a14:hiddenLine xmlns="" xmlns:a14="http://schemas.microsoft.com/office/drawing/2010/main" w="9525">
                   <a:solidFill>
                     <a:srgbClr val="000000"/>
                   </a:solidFill>
@@ -1073,7 +1073,7 @@
             </a:ln>
             <a:extLst>
               <a:ext uri="{91240B29-F687-4f45-9708-019B960494DF}">
-                <a14:hiddenLine xmlns:a14="http://schemas.microsoft.com/office/drawing/2010/main" xmlns="" w="9525">
+                <a14:hiddenLine xmlns="" xmlns:a14="http://schemas.microsoft.com/office/drawing/2010/main" w="9525">
                   <a:solidFill>
                     <a:srgbClr val="000000"/>
                   </a:solidFill>
@@ -1135,7 +1135,7 @@
             </a:ln>
             <a:extLst>
               <a:ext uri="{91240B29-F687-4f45-9708-019B960494DF}">
-                <a14:hiddenLine xmlns:a14="http://schemas.microsoft.com/office/drawing/2010/main" xmlns="" w="9525">
+                <a14:hiddenLine xmlns="" xmlns:a14="http://schemas.microsoft.com/office/drawing/2010/main" w="9525">
                   <a:solidFill>
                     <a:srgbClr val="000000"/>
                   </a:solidFill>
@@ -1245,7 +1245,7 @@
             </a:ln>
             <a:extLst>
               <a:ext uri="{91240B29-F687-4f45-9708-019B960494DF}">
-                <a14:hiddenLine xmlns:a14="http://schemas.microsoft.com/office/drawing/2010/main" xmlns="" w="9525">
+                <a14:hiddenLine xmlns="" xmlns:a14="http://schemas.microsoft.com/office/drawing/2010/main" w="9525">
                   <a:solidFill>
                     <a:srgbClr val="000000"/>
                   </a:solidFill>
@@ -1307,7 +1307,7 @@
             </a:ln>
             <a:extLst>
               <a:ext uri="{91240B29-F687-4f45-9708-019B960494DF}">
-                <a14:hiddenLine xmlns:a14="http://schemas.microsoft.com/office/drawing/2010/main" xmlns="" w="9525">
+                <a14:hiddenLine xmlns="" xmlns:a14="http://schemas.microsoft.com/office/drawing/2010/main" w="9525">
                   <a:solidFill>
                     <a:srgbClr val="000000"/>
                   </a:solidFill>
@@ -1397,7 +1397,7 @@
             </a:ln>
             <a:extLst>
               <a:ext uri="{91240B29-F687-4f45-9708-019B960494DF}">
-                <a14:hiddenLine xmlns:a14="http://schemas.microsoft.com/office/drawing/2010/main" xmlns="" w="9525">
+                <a14:hiddenLine xmlns="" xmlns:a14="http://schemas.microsoft.com/office/drawing/2010/main" w="9525">
                   <a:solidFill>
                     <a:srgbClr val="000000"/>
                   </a:solidFill>
@@ -1487,7 +1487,7 @@
             </a:ln>
             <a:extLst>
               <a:ext uri="{91240B29-F687-4f45-9708-019B960494DF}">
-                <a14:hiddenLine xmlns:a14="http://schemas.microsoft.com/office/drawing/2010/main" xmlns="" w="9525">
+                <a14:hiddenLine xmlns="" xmlns:a14="http://schemas.microsoft.com/office/drawing/2010/main" w="9525">
                   <a:solidFill>
                     <a:srgbClr val="000000"/>
                   </a:solidFill>
@@ -1549,7 +1549,7 @@
             </a:ln>
             <a:extLst>
               <a:ext uri="{91240B29-F687-4f45-9708-019B960494DF}">
-                <a14:hiddenLine xmlns:a14="http://schemas.microsoft.com/office/drawing/2010/main" xmlns="" w="9525">
+                <a14:hiddenLine xmlns="" xmlns:a14="http://schemas.microsoft.com/office/drawing/2010/main" w="9525">
                   <a:solidFill>
                     <a:srgbClr val="000000"/>
                   </a:solidFill>
@@ -1639,7 +1639,7 @@
             </a:ln>
             <a:extLst>
               <a:ext uri="{91240B29-F687-4f45-9708-019B960494DF}">
-                <a14:hiddenLine xmlns:a14="http://schemas.microsoft.com/office/drawing/2010/main" xmlns="" w="9525">
+                <a14:hiddenLine xmlns="" xmlns:a14="http://schemas.microsoft.com/office/drawing/2010/main" w="9525">
                   <a:solidFill>
                     <a:srgbClr val="000000"/>
                   </a:solidFill>
@@ -1729,7 +1729,7 @@
             </a:ln>
             <a:extLst>
               <a:ext uri="{91240B29-F687-4f45-9708-019B960494DF}">
-                <a14:hiddenLine xmlns:a14="http://schemas.microsoft.com/office/drawing/2010/main" xmlns="" w="9525">
+                <a14:hiddenLine xmlns="" xmlns:a14="http://schemas.microsoft.com/office/drawing/2010/main" w="9525">
                   <a:solidFill>
                     <a:srgbClr val="000000"/>
                   </a:solidFill>
@@ -1785,7 +1785,7 @@
             </a:ln>
             <a:extLst>
               <a:ext uri="{91240B29-F687-4f45-9708-019B960494DF}">
-                <a14:hiddenLine xmlns:a14="http://schemas.microsoft.com/office/drawing/2010/main" xmlns="" w="9525">
+                <a14:hiddenLine xmlns="" xmlns:a14="http://schemas.microsoft.com/office/drawing/2010/main" w="9525">
                   <a:solidFill>
                     <a:srgbClr val="000000"/>
                   </a:solidFill>
@@ -1875,7 +1875,7 @@
             </a:ln>
             <a:extLst>
               <a:ext uri="{91240B29-F687-4f45-9708-019B960494DF}">
-                <a14:hiddenLine xmlns:a14="http://schemas.microsoft.com/office/drawing/2010/main" xmlns="" w="9525">
+                <a14:hiddenLine xmlns="" xmlns:a14="http://schemas.microsoft.com/office/drawing/2010/main" w="9525">
                   <a:solidFill>
                     <a:srgbClr val="000000"/>
                   </a:solidFill>
@@ -1931,7 +1931,7 @@
             </a:ln>
             <a:extLst>
               <a:ext uri="{91240B29-F687-4f45-9708-019B960494DF}">
-                <a14:hiddenLine xmlns:a14="http://schemas.microsoft.com/office/drawing/2010/main" xmlns="" w="9525">
+                <a14:hiddenLine xmlns="" xmlns:a14="http://schemas.microsoft.com/office/drawing/2010/main" w="9525">
                   <a:solidFill>
                     <a:srgbClr val="000000"/>
                   </a:solidFill>
@@ -2021,7 +2021,7 @@
             </a:ln>
             <a:extLst>
               <a:ext uri="{91240B29-F687-4f45-9708-019B960494DF}">
-                <a14:hiddenLine xmlns:a14="http://schemas.microsoft.com/office/drawing/2010/main" xmlns="" w="9525">
+                <a14:hiddenLine xmlns="" xmlns:a14="http://schemas.microsoft.com/office/drawing/2010/main" w="9525">
                   <a:solidFill>
                     <a:srgbClr val="000000"/>
                   </a:solidFill>
@@ -2089,7 +2089,7 @@
             </a:ln>
             <a:extLst>
               <a:ext uri="{91240B29-F687-4f45-9708-019B960494DF}">
-                <a14:hiddenLine xmlns:a14="http://schemas.microsoft.com/office/drawing/2010/main" xmlns="" w="9525">
+                <a14:hiddenLine xmlns="" xmlns:a14="http://schemas.microsoft.com/office/drawing/2010/main" w="9525">
                   <a:solidFill>
                     <a:srgbClr val="000000"/>
                   </a:solidFill>
@@ -2179,7 +2179,7 @@
             </a:ln>
             <a:extLst>
               <a:ext uri="{91240B29-F687-4f45-9708-019B960494DF}">
-                <a14:hiddenLine xmlns:a14="http://schemas.microsoft.com/office/drawing/2010/main" xmlns="" w="9525">
+                <a14:hiddenLine xmlns="" xmlns:a14="http://schemas.microsoft.com/office/drawing/2010/main" w="9525">
                   <a:solidFill>
                     <a:srgbClr val="000000"/>
                   </a:solidFill>
@@ -2247,7 +2247,7 @@
             </a:ln>
             <a:extLst>
               <a:ext uri="{91240B29-F687-4f45-9708-019B960494DF}">
-                <a14:hiddenLine xmlns:a14="http://schemas.microsoft.com/office/drawing/2010/main" xmlns="" w="9525">
+                <a14:hiddenLine xmlns="" xmlns:a14="http://schemas.microsoft.com/office/drawing/2010/main" w="9525">
                   <a:solidFill>
                     <a:srgbClr val="000000"/>
                   </a:solidFill>
@@ -2337,7 +2337,7 @@
             </a:ln>
             <a:extLst>
               <a:ext uri="{91240B29-F687-4f45-9708-019B960494DF}">
-                <a14:hiddenLine xmlns:a14="http://schemas.microsoft.com/office/drawing/2010/main" xmlns="" w="9525">
+                <a14:hiddenLine xmlns="" xmlns:a14="http://schemas.microsoft.com/office/drawing/2010/main" w="9525">
                   <a:solidFill>
                     <a:srgbClr val="000000"/>
                   </a:solidFill>
@@ -2371,7 +2371,7 @@
             </a:ln>
             <a:extLst>
               <a:ext uri="{91240B29-F687-4f45-9708-019B960494DF}">
-                <a14:hiddenLine xmlns:a14="http://schemas.microsoft.com/office/drawing/2010/main" xmlns="" w="9525">
+                <a14:hiddenLine xmlns="" xmlns:a14="http://schemas.microsoft.com/office/drawing/2010/main" w="9525">
                   <a:solidFill>
                     <a:srgbClr val="000000"/>
                   </a:solidFill>
@@ -2461,7 +2461,7 @@
             </a:ln>
             <a:extLst>
               <a:ext uri="{91240B29-F687-4f45-9708-019B960494DF}">
-                <a14:hiddenLine xmlns:a14="http://schemas.microsoft.com/office/drawing/2010/main" xmlns="" w="9525">
+                <a14:hiddenLine xmlns="" xmlns:a14="http://schemas.microsoft.com/office/drawing/2010/main" w="9525">
                   <a:solidFill>
                     <a:srgbClr val="000000"/>
                   </a:solidFill>
@@ -2523,7 +2523,7 @@
             </a:ln>
             <a:extLst>
               <a:ext uri="{91240B29-F687-4f45-9708-019B960494DF}">
-                <a14:hiddenLine xmlns:a14="http://schemas.microsoft.com/office/drawing/2010/main" xmlns="" w="9525">
+                <a14:hiddenLine xmlns="" xmlns:a14="http://schemas.microsoft.com/office/drawing/2010/main" w="9525">
                   <a:solidFill>
                     <a:srgbClr val="000000"/>
                   </a:solidFill>
@@ -2585,7 +2585,7 @@
             </a:ln>
             <a:extLst>
               <a:ext uri="{91240B29-F687-4f45-9708-019B960494DF}">
-                <a14:hiddenLine xmlns:a14="http://schemas.microsoft.com/office/drawing/2010/main" xmlns="" w="9525">
+                <a14:hiddenLine xmlns="" xmlns:a14="http://schemas.microsoft.com/office/drawing/2010/main" w="9525">
                   <a:solidFill>
                     <a:srgbClr val="000000"/>
                   </a:solidFill>
@@ -2675,7 +2675,7 @@
             </a:ln>
             <a:extLst>
               <a:ext uri="{91240B29-F687-4f45-9708-019B960494DF}">
-                <a14:hiddenLine xmlns:a14="http://schemas.microsoft.com/office/drawing/2010/main" xmlns="" w="9525">
+                <a14:hiddenLine xmlns="" xmlns:a14="http://schemas.microsoft.com/office/drawing/2010/main" w="9525">
                   <a:solidFill>
                     <a:srgbClr val="000000"/>
                   </a:solidFill>
@@ -2743,7 +2743,7 @@
             </a:ln>
             <a:extLst>
               <a:ext uri="{91240B29-F687-4f45-9708-019B960494DF}">
-                <a14:hiddenLine xmlns:a14="http://schemas.microsoft.com/office/drawing/2010/main" xmlns="" w="9525">
+                <a14:hiddenLine xmlns="" xmlns:a14="http://schemas.microsoft.com/office/drawing/2010/main" w="9525">
                   <a:solidFill>
                     <a:srgbClr val="000000"/>
                   </a:solidFill>
@@ -2805,7 +2805,7 @@
             </a:ln>
             <a:extLst>
               <a:ext uri="{91240B29-F687-4f45-9708-019B960494DF}">
-                <a14:hiddenLine xmlns:a14="http://schemas.microsoft.com/office/drawing/2010/main" xmlns="" w="9525">
+                <a14:hiddenLine xmlns="" xmlns:a14="http://schemas.microsoft.com/office/drawing/2010/main" w="9525">
                   <a:solidFill>
                     <a:srgbClr val="000000"/>
                   </a:solidFill>
@@ -2895,7 +2895,7 @@
             </a:ln>
             <a:extLst>
               <a:ext uri="{91240B29-F687-4f45-9708-019B960494DF}">
-                <a14:hiddenLine xmlns:a14="http://schemas.microsoft.com/office/drawing/2010/main" xmlns="" w="9525">
+                <a14:hiddenLine xmlns="" xmlns:a14="http://schemas.microsoft.com/office/drawing/2010/main" w="9525">
                   <a:solidFill>
                     <a:srgbClr val="000000"/>
                   </a:solidFill>
@@ -2957,7 +2957,7 @@
             </a:ln>
             <a:extLst>
               <a:ext uri="{91240B29-F687-4f45-9708-019B960494DF}">
-                <a14:hiddenLine xmlns:a14="http://schemas.microsoft.com/office/drawing/2010/main" xmlns="" w="9525">
+                <a14:hiddenLine xmlns="" xmlns:a14="http://schemas.microsoft.com/office/drawing/2010/main" w="9525">
                   <a:solidFill>
                     <a:srgbClr val="000000"/>
                   </a:solidFill>
@@ -3047,7 +3047,7 @@
             </a:ln>
             <a:extLst>
               <a:ext uri="{91240B29-F687-4f45-9708-019B960494DF}">
-                <a14:hiddenLine xmlns:a14="http://schemas.microsoft.com/office/drawing/2010/main" xmlns="" w="9525">
+                <a14:hiddenLine xmlns="" xmlns:a14="http://schemas.microsoft.com/office/drawing/2010/main" w="9525">
                   <a:solidFill>
                     <a:srgbClr val="000000"/>
                   </a:solidFill>
@@ -3109,7 +3109,7 @@
             </a:ln>
             <a:extLst>
               <a:ext uri="{91240B29-F687-4f45-9708-019B960494DF}">
-                <a14:hiddenLine xmlns:a14="http://schemas.microsoft.com/office/drawing/2010/main" xmlns="" w="9525">
+                <a14:hiddenLine xmlns="" xmlns:a14="http://schemas.microsoft.com/office/drawing/2010/main" w="9525">
                   <a:solidFill>
                     <a:srgbClr val="000000"/>
                   </a:solidFill>
@@ -3199,7 +3199,7 @@
             </a:ln>
             <a:extLst>
               <a:ext uri="{91240B29-F687-4f45-9708-019B960494DF}">
-                <a14:hiddenLine xmlns:a14="http://schemas.microsoft.com/office/drawing/2010/main" xmlns="" w="9525">
+                <a14:hiddenLine xmlns="" xmlns:a14="http://schemas.microsoft.com/office/drawing/2010/main" w="9525">
                   <a:solidFill>
                     <a:srgbClr val="000000"/>
                   </a:solidFill>
@@ -3233,7 +3233,7 @@
             </a:ln>
             <a:extLst>
               <a:ext uri="{91240B29-F687-4f45-9708-019B960494DF}">
-                <a14:hiddenLine xmlns:a14="http://schemas.microsoft.com/office/drawing/2010/main" xmlns="" w="9525">
+                <a14:hiddenLine xmlns="" xmlns:a14="http://schemas.microsoft.com/office/drawing/2010/main" w="9525">
                   <a:solidFill>
                     <a:srgbClr val="000000"/>
                   </a:solidFill>
@@ -3298,7 +3298,7 @@
             </a:ln>
             <a:extLst>
               <a:ext uri="{91240B29-F687-4f45-9708-019B960494DF}">
-                <a14:hiddenLine xmlns:a14="http://schemas.microsoft.com/office/drawing/2010/main" xmlns="" w="9525">
+                <a14:hiddenLine xmlns="" xmlns:a14="http://schemas.microsoft.com/office/drawing/2010/main" w="9525">
                   <a:solidFill>
                     <a:srgbClr val="000000"/>
                   </a:solidFill>
@@ -3388,7 +3388,7 @@
             </a:ln>
             <a:extLst>
               <a:ext uri="{91240B29-F687-4f45-9708-019B960494DF}">
-                <a14:hiddenLine xmlns:a14="http://schemas.microsoft.com/office/drawing/2010/main" xmlns="" w="9525">
+                <a14:hiddenLine xmlns="" xmlns:a14="http://schemas.microsoft.com/office/drawing/2010/main" w="9525">
                   <a:solidFill>
                     <a:srgbClr val="000000"/>
                   </a:solidFill>
@@ -3450,7 +3450,7 @@
             </a:ln>
             <a:extLst>
               <a:ext uri="{91240B29-F687-4f45-9708-019B960494DF}">
-                <a14:hiddenLine xmlns:a14="http://schemas.microsoft.com/office/drawing/2010/main" xmlns="" w="9525">
+                <a14:hiddenLine xmlns="" xmlns:a14="http://schemas.microsoft.com/office/drawing/2010/main" w="9525">
                   <a:solidFill>
                     <a:srgbClr val="000000"/>
                   </a:solidFill>
@@ -3540,7 +3540,7 @@
             </a:ln>
             <a:extLst>
               <a:ext uri="{91240B29-F687-4f45-9708-019B960494DF}">
-                <a14:hiddenLine xmlns:a14="http://schemas.microsoft.com/office/drawing/2010/main" xmlns="" w="9525">
+                <a14:hiddenLine xmlns="" xmlns:a14="http://schemas.microsoft.com/office/drawing/2010/main" w="9525">
                   <a:solidFill>
                     <a:srgbClr val="000000"/>
                   </a:solidFill>
@@ -3630,7 +3630,7 @@
             </a:ln>
             <a:extLst>
               <a:ext uri="{91240B29-F687-4f45-9708-019B960494DF}">
-                <a14:hiddenLine xmlns:a14="http://schemas.microsoft.com/office/drawing/2010/main" xmlns="" w="9525">
+                <a14:hiddenLine xmlns="" xmlns:a14="http://schemas.microsoft.com/office/drawing/2010/main" w="9525">
                   <a:solidFill>
                     <a:srgbClr val="000000"/>
                   </a:solidFill>
@@ -3695,7 +3695,7 @@
             </a:ln>
             <a:extLst>
               <a:ext uri="{91240B29-F687-4f45-9708-019B960494DF}">
-                <a14:hiddenLine xmlns:a14="http://schemas.microsoft.com/office/drawing/2010/main" xmlns="" w="9525">
+                <a14:hiddenLine xmlns="" xmlns:a14="http://schemas.microsoft.com/office/drawing/2010/main" w="9525">
                   <a:solidFill>
                     <a:srgbClr val="000000"/>
                   </a:solidFill>
@@ -3757,7 +3757,7 @@
             </a:ln>
             <a:extLst>
               <a:ext uri="{91240B29-F687-4f45-9708-019B960494DF}">
-                <a14:hiddenLine xmlns:a14="http://schemas.microsoft.com/office/drawing/2010/main" xmlns="" w="9525">
+                <a14:hiddenLine xmlns="" xmlns:a14="http://schemas.microsoft.com/office/drawing/2010/main" w="9525">
                   <a:solidFill>
                     <a:srgbClr val="000000"/>
                   </a:solidFill>
@@ -3847,7 +3847,7 @@
             </a:ln>
             <a:extLst>
               <a:ext uri="{91240B29-F687-4f45-9708-019B960494DF}">
-                <a14:hiddenLine xmlns:a14="http://schemas.microsoft.com/office/drawing/2010/main" xmlns="" w="9525">
+                <a14:hiddenLine xmlns="" xmlns:a14="http://schemas.microsoft.com/office/drawing/2010/main" w="9525">
                   <a:solidFill>
                     <a:srgbClr val="000000"/>
                   </a:solidFill>
@@ -3937,7 +3937,7 @@
             </a:ln>
             <a:extLst>
               <a:ext uri="{91240B29-F687-4f45-9708-019B960494DF}">
-                <a14:hiddenLine xmlns:a14="http://schemas.microsoft.com/office/drawing/2010/main" xmlns="" w="9525">
+                <a14:hiddenLine xmlns="" xmlns:a14="http://schemas.microsoft.com/office/drawing/2010/main" w="9525">
                   <a:solidFill>
                     <a:srgbClr val="000000"/>
                   </a:solidFill>
@@ -3999,7 +3999,7 @@
             </a:ln>
             <a:extLst>
               <a:ext uri="{91240B29-F687-4f45-9708-019B960494DF}">
-                <a14:hiddenLine xmlns:a14="http://schemas.microsoft.com/office/drawing/2010/main" xmlns="" w="9525">
+                <a14:hiddenLine xmlns="" xmlns:a14="http://schemas.microsoft.com/office/drawing/2010/main" w="9525">
                   <a:solidFill>
                     <a:srgbClr val="000000"/>
                   </a:solidFill>
@@ -4119,7 +4119,7 @@
             </a:ln>
             <a:extLst>
               <a:ext uri="{91240B29-F687-4f45-9708-019B960494DF}">
-                <a14:hiddenLine xmlns:a14="http://schemas.microsoft.com/office/drawing/2010/main" xmlns="" w="9525">
+                <a14:hiddenLine xmlns="" xmlns:a14="http://schemas.microsoft.com/office/drawing/2010/main" w="9525">
                   <a:solidFill>
                     <a:srgbClr val="000000"/>
                   </a:solidFill>
@@ -4187,7 +4187,7 @@
             </a:ln>
             <a:extLst>
               <a:ext uri="{91240B29-F687-4f45-9708-019B960494DF}">
-                <a14:hiddenLine xmlns:a14="http://schemas.microsoft.com/office/drawing/2010/main" xmlns="" w="9525">
+                <a14:hiddenLine xmlns="" xmlns:a14="http://schemas.microsoft.com/office/drawing/2010/main" w="9525">
                   <a:solidFill>
                     <a:srgbClr val="000000"/>
                   </a:solidFill>
@@ -4277,7 +4277,7 @@
             </a:ln>
             <a:extLst>
               <a:ext uri="{91240B29-F687-4f45-9708-019B960494DF}">
-                <a14:hiddenLine xmlns:a14="http://schemas.microsoft.com/office/drawing/2010/main" xmlns="" w="9525">
+                <a14:hiddenLine xmlns="" xmlns:a14="http://schemas.microsoft.com/office/drawing/2010/main" w="9525">
                   <a:solidFill>
                     <a:srgbClr val="000000"/>
                   </a:solidFill>
@@ -9092,7 +9092,7 @@
           <a:noFill/>
           <a:extLst>
             <a:ext uri="{909E8E84-426E-40dd-AFC4-6F175D3DCCD1}">
-              <a14:hiddenFill xmlns:a14="http://schemas.microsoft.com/office/drawing/2010/main" xmlns="">
+              <a14:hiddenFill xmlns="" xmlns:a14="http://schemas.microsoft.com/office/drawing/2010/main">
                 <a:solidFill>
                   <a:srgbClr val="FFFFFF"/>
                 </a:solidFill>
@@ -9166,7 +9166,7 @@
               </a:ln>
               <a:extLst>
                 <a:ext uri="{91240B29-F687-4f45-9708-019B960494DF}">
-                  <a14:hiddenLine xmlns:a14="http://schemas.microsoft.com/office/drawing/2010/main" xmlns="" w="9525">
+                  <a14:hiddenLine xmlns="" xmlns:a14="http://schemas.microsoft.com/office/drawing/2010/main" w="9525">
                     <a:solidFill>
                       <a:srgbClr val="000000"/>
                     </a:solidFill>
@@ -9256,7 +9256,7 @@
               </a:ln>
               <a:extLst>
                 <a:ext uri="{91240B29-F687-4f45-9708-019B960494DF}">
-                  <a14:hiddenLine xmlns:a14="http://schemas.microsoft.com/office/drawing/2010/main" xmlns="" w="9525">
+                  <a14:hiddenLine xmlns="" xmlns:a14="http://schemas.microsoft.com/office/drawing/2010/main" w="9525">
                     <a:solidFill>
                       <a:srgbClr val="000000"/>
                     </a:solidFill>
@@ -9346,7 +9346,7 @@
               </a:ln>
               <a:extLst>
                 <a:ext uri="{91240B29-F687-4f45-9708-019B960494DF}">
-                  <a14:hiddenLine xmlns:a14="http://schemas.microsoft.com/office/drawing/2010/main" xmlns="" w="9525">
+                  <a14:hiddenLine xmlns="" xmlns:a14="http://schemas.microsoft.com/office/drawing/2010/main" w="9525">
                     <a:solidFill>
                       <a:srgbClr val="000000"/>
                     </a:solidFill>
@@ -9408,7 +9408,7 @@
               </a:ln>
               <a:extLst>
                 <a:ext uri="{91240B29-F687-4f45-9708-019B960494DF}">
-                  <a14:hiddenLine xmlns:a14="http://schemas.microsoft.com/office/drawing/2010/main" xmlns="" w="9525">
+                  <a14:hiddenLine xmlns="" xmlns:a14="http://schemas.microsoft.com/office/drawing/2010/main" w="9525">
                     <a:solidFill>
                       <a:srgbClr val="000000"/>
                     </a:solidFill>
@@ -9498,7 +9498,7 @@
               </a:ln>
               <a:extLst>
                 <a:ext uri="{91240B29-F687-4f45-9708-019B960494DF}">
-                  <a14:hiddenLine xmlns:a14="http://schemas.microsoft.com/office/drawing/2010/main" xmlns="" w="9525">
+                  <a14:hiddenLine xmlns="" xmlns:a14="http://schemas.microsoft.com/office/drawing/2010/main" w="9525">
                     <a:solidFill>
                       <a:srgbClr val="000000"/>
                     </a:solidFill>
@@ -9560,7 +9560,7 @@
               </a:ln>
               <a:extLst>
                 <a:ext uri="{91240B29-F687-4f45-9708-019B960494DF}">
-                  <a14:hiddenLine xmlns:a14="http://schemas.microsoft.com/office/drawing/2010/main" xmlns="" w="9525">
+                  <a14:hiddenLine xmlns="" xmlns:a14="http://schemas.microsoft.com/office/drawing/2010/main" w="9525">
                     <a:solidFill>
                       <a:srgbClr val="000000"/>
                     </a:solidFill>
@@ -9622,7 +9622,7 @@
               </a:ln>
               <a:extLst>
                 <a:ext uri="{91240B29-F687-4f45-9708-019B960494DF}">
-                  <a14:hiddenLine xmlns:a14="http://schemas.microsoft.com/office/drawing/2010/main" xmlns="" w="9525">
+                  <a14:hiddenLine xmlns="" xmlns:a14="http://schemas.microsoft.com/office/drawing/2010/main" w="9525">
                     <a:solidFill>
                       <a:srgbClr val="000000"/>
                     </a:solidFill>
@@ -9712,7 +9712,7 @@
               </a:ln>
               <a:extLst>
                 <a:ext uri="{91240B29-F687-4f45-9708-019B960494DF}">
-                  <a14:hiddenLine xmlns:a14="http://schemas.microsoft.com/office/drawing/2010/main" xmlns="" w="9525">
+                  <a14:hiddenLine xmlns="" xmlns:a14="http://schemas.microsoft.com/office/drawing/2010/main" w="9525">
                     <a:solidFill>
                       <a:srgbClr val="000000"/>
                     </a:solidFill>
@@ -9802,7 +9802,7 @@
               </a:ln>
               <a:extLst>
                 <a:ext uri="{91240B29-F687-4f45-9708-019B960494DF}">
-                  <a14:hiddenLine xmlns:a14="http://schemas.microsoft.com/office/drawing/2010/main" xmlns="" w="9525">
+                  <a14:hiddenLine xmlns="" xmlns:a14="http://schemas.microsoft.com/office/drawing/2010/main" w="9525">
                     <a:solidFill>
                       <a:srgbClr val="000000"/>
                     </a:solidFill>
@@ -9864,7 +9864,7 @@
               </a:ln>
               <a:extLst>
                 <a:ext uri="{91240B29-F687-4f45-9708-019B960494DF}">
-                  <a14:hiddenLine xmlns:a14="http://schemas.microsoft.com/office/drawing/2010/main" xmlns="" w="9525">
+                  <a14:hiddenLine xmlns="" xmlns:a14="http://schemas.microsoft.com/office/drawing/2010/main" w="9525">
                     <a:solidFill>
                       <a:srgbClr val="000000"/>
                     </a:solidFill>
@@ -9974,7 +9974,7 @@
               </a:ln>
               <a:extLst>
                 <a:ext uri="{91240B29-F687-4f45-9708-019B960494DF}">
-                  <a14:hiddenLine xmlns:a14="http://schemas.microsoft.com/office/drawing/2010/main" xmlns="" w="9525">
+                  <a14:hiddenLine xmlns="" xmlns:a14="http://schemas.microsoft.com/office/drawing/2010/main" w="9525">
                     <a:solidFill>
                       <a:srgbClr val="000000"/>
                     </a:solidFill>
@@ -10058,7 +10058,7 @@
               </a:ln>
               <a:extLst>
                 <a:ext uri="{91240B29-F687-4f45-9708-019B960494DF}">
-                  <a14:hiddenLine xmlns:a14="http://schemas.microsoft.com/office/drawing/2010/main" xmlns="" w="9525">
+                  <a14:hiddenLine xmlns="" xmlns:a14="http://schemas.microsoft.com/office/drawing/2010/main" w="9525">
                     <a:solidFill>
                       <a:srgbClr val="000000"/>
                     </a:solidFill>
@@ -10120,7 +10120,7 @@
               </a:ln>
               <a:extLst>
                 <a:ext uri="{91240B29-F687-4f45-9708-019B960494DF}">
-                  <a14:hiddenLine xmlns:a14="http://schemas.microsoft.com/office/drawing/2010/main" xmlns="" w="9525">
+                  <a14:hiddenLine xmlns="" xmlns:a14="http://schemas.microsoft.com/office/drawing/2010/main" w="9525">
                     <a:solidFill>
                       <a:srgbClr val="000000"/>
                     </a:solidFill>
@@ -10182,7 +10182,7 @@
               </a:ln>
               <a:extLst>
                 <a:ext uri="{91240B29-F687-4f45-9708-019B960494DF}">
-                  <a14:hiddenLine xmlns:a14="http://schemas.microsoft.com/office/drawing/2010/main" xmlns="" w="9525">
+                  <a14:hiddenLine xmlns="" xmlns:a14="http://schemas.microsoft.com/office/drawing/2010/main" w="9525">
                     <a:solidFill>
                       <a:srgbClr val="000000"/>
                     </a:solidFill>
@@ -10272,7 +10272,7 @@
               </a:ln>
               <a:extLst>
                 <a:ext uri="{91240B29-F687-4f45-9708-019B960494DF}">
-                  <a14:hiddenLine xmlns:a14="http://schemas.microsoft.com/office/drawing/2010/main" xmlns="" w="9525">
+                  <a14:hiddenLine xmlns="" xmlns:a14="http://schemas.microsoft.com/office/drawing/2010/main" w="9525">
                     <a:solidFill>
                       <a:srgbClr val="000000"/>
                     </a:solidFill>
@@ -10306,7 +10306,7 @@
               </a:ln>
               <a:extLst>
                 <a:ext uri="{91240B29-F687-4f45-9708-019B960494DF}">
-                  <a14:hiddenLine xmlns:a14="http://schemas.microsoft.com/office/drawing/2010/main" xmlns="" w="9525">
+                  <a14:hiddenLine xmlns="" xmlns:a14="http://schemas.microsoft.com/office/drawing/2010/main" w="9525">
                     <a:solidFill>
                       <a:srgbClr val="000000"/>
                     </a:solidFill>
@@ -10371,7 +10371,7 @@
               </a:ln>
               <a:extLst>
                 <a:ext uri="{91240B29-F687-4f45-9708-019B960494DF}">
-                  <a14:hiddenLine xmlns:a14="http://schemas.microsoft.com/office/drawing/2010/main" xmlns="" w="9525">
+                  <a14:hiddenLine xmlns="" xmlns:a14="http://schemas.microsoft.com/office/drawing/2010/main" w="9525">
                     <a:solidFill>
                       <a:srgbClr val="000000"/>
                     </a:solidFill>
@@ -10461,7 +10461,7 @@
               </a:ln>
               <a:extLst>
                 <a:ext uri="{91240B29-F687-4f45-9708-019B960494DF}">
-                  <a14:hiddenLine xmlns:a14="http://schemas.microsoft.com/office/drawing/2010/main" xmlns="" w="9525">
+                  <a14:hiddenLine xmlns="" xmlns:a14="http://schemas.microsoft.com/office/drawing/2010/main" w="9525">
                     <a:solidFill>
                       <a:srgbClr val="000000"/>
                     </a:solidFill>
@@ -10523,7 +10523,7 @@
               </a:ln>
               <a:extLst>
                 <a:ext uri="{91240B29-F687-4f45-9708-019B960494DF}">
-                  <a14:hiddenLine xmlns:a14="http://schemas.microsoft.com/office/drawing/2010/main" xmlns="" w="9525">
+                  <a14:hiddenLine xmlns="" xmlns:a14="http://schemas.microsoft.com/office/drawing/2010/main" w="9525">
                     <a:solidFill>
                       <a:srgbClr val="000000"/>
                     </a:solidFill>
@@ -10613,7 +10613,7 @@
               </a:ln>
               <a:extLst>
                 <a:ext uri="{91240B29-F687-4f45-9708-019B960494DF}">
-                  <a14:hiddenLine xmlns:a14="http://schemas.microsoft.com/office/drawing/2010/main" xmlns="" w="9525">
+                  <a14:hiddenLine xmlns="" xmlns:a14="http://schemas.microsoft.com/office/drawing/2010/main" w="9525">
                     <a:solidFill>
                       <a:srgbClr val="000000"/>
                     </a:solidFill>
@@ -10678,7 +10678,7 @@
               </a:ln>
               <a:extLst>
                 <a:ext uri="{91240B29-F687-4f45-9708-019B960494DF}">
-                  <a14:hiddenLine xmlns:a14="http://schemas.microsoft.com/office/drawing/2010/main" xmlns="" w="9525">
+                  <a14:hiddenLine xmlns="" xmlns:a14="http://schemas.microsoft.com/office/drawing/2010/main" w="9525">
                     <a:solidFill>
                       <a:srgbClr val="000000"/>
                     </a:solidFill>
@@ -10740,7 +10740,7 @@
               </a:ln>
               <a:extLst>
                 <a:ext uri="{91240B29-F687-4f45-9708-019B960494DF}">
-                  <a14:hiddenLine xmlns:a14="http://schemas.microsoft.com/office/drawing/2010/main" xmlns="" w="9525">
+                  <a14:hiddenLine xmlns="" xmlns:a14="http://schemas.microsoft.com/office/drawing/2010/main" w="9525">
                     <a:solidFill>
                       <a:srgbClr val="000000"/>
                     </a:solidFill>
@@ -10830,7 +10830,7 @@
               </a:ln>
               <a:extLst>
                 <a:ext uri="{91240B29-F687-4f45-9708-019B960494DF}">
-                  <a14:hiddenLine xmlns:a14="http://schemas.microsoft.com/office/drawing/2010/main" xmlns="" w="9525">
+                  <a14:hiddenLine xmlns="" xmlns:a14="http://schemas.microsoft.com/office/drawing/2010/main" w="9525">
                     <a:solidFill>
                       <a:srgbClr val="000000"/>
                     </a:solidFill>
@@ -10920,7 +10920,7 @@
               </a:ln>
               <a:extLst>
                 <a:ext uri="{91240B29-F687-4f45-9708-019B960494DF}">
-                  <a14:hiddenLine xmlns:a14="http://schemas.microsoft.com/office/drawing/2010/main" xmlns="" w="9525">
+                  <a14:hiddenLine xmlns="" xmlns:a14="http://schemas.microsoft.com/office/drawing/2010/main" w="9525">
                     <a:solidFill>
                       <a:srgbClr val="000000"/>
                     </a:solidFill>
@@ -10985,7 +10985,7 @@
               </a:ln>
               <a:extLst>
                 <a:ext uri="{91240B29-F687-4f45-9708-019B960494DF}">
-                  <a14:hiddenLine xmlns:a14="http://schemas.microsoft.com/office/drawing/2010/main" xmlns="" w="9525">
+                  <a14:hiddenLine xmlns="" xmlns:a14="http://schemas.microsoft.com/office/drawing/2010/main" w="9525">
                     <a:solidFill>
                       <a:srgbClr val="000000"/>
                     </a:solidFill>
@@ -11105,7 +11105,7 @@
               </a:ln>
               <a:extLst>
                 <a:ext uri="{91240B29-F687-4f45-9708-019B960494DF}">
-                  <a14:hiddenLine xmlns:a14="http://schemas.microsoft.com/office/drawing/2010/main" xmlns="" w="9525">
+                  <a14:hiddenLine xmlns="" xmlns:a14="http://schemas.microsoft.com/office/drawing/2010/main" w="9525">
                     <a:solidFill>
                       <a:srgbClr val="000000"/>
                     </a:solidFill>
@@ -11186,7 +11186,7 @@
               </a:ln>
               <a:extLst>
                 <a:ext uri="{91240B29-F687-4f45-9708-019B960494DF}">
-                  <a14:hiddenLine xmlns:a14="http://schemas.microsoft.com/office/drawing/2010/main" xmlns="" w="9525">
+                  <a14:hiddenLine xmlns="" xmlns:a14="http://schemas.microsoft.com/office/drawing/2010/main" w="9525">
                     <a:solidFill>
                       <a:srgbClr val="000000"/>
                     </a:solidFill>
@@ -11301,7 +11301,7 @@
               </a:ln>
               <a:extLst>
                 <a:ext uri="{91240B29-F687-4f45-9708-019B960494DF}">
-                  <a14:hiddenLine xmlns:a14="http://schemas.microsoft.com/office/drawing/2010/main" xmlns="" w="9525">
+                  <a14:hiddenLine xmlns="" xmlns:a14="http://schemas.microsoft.com/office/drawing/2010/main" w="9525">
                     <a:solidFill>
                       <a:srgbClr val="000000"/>
                     </a:solidFill>
@@ -11391,7 +11391,7 @@
               </a:ln>
               <a:extLst>
                 <a:ext uri="{91240B29-F687-4f45-9708-019B960494DF}">
-                  <a14:hiddenLine xmlns:a14="http://schemas.microsoft.com/office/drawing/2010/main" xmlns="" w="9525">
+                  <a14:hiddenLine xmlns="" xmlns:a14="http://schemas.microsoft.com/office/drawing/2010/main" w="9525">
                     <a:solidFill>
                       <a:srgbClr val="000000"/>
                     </a:solidFill>
@@ -11456,7 +11456,7 @@
               </a:ln>
               <a:extLst>
                 <a:ext uri="{91240B29-F687-4f45-9708-019B960494DF}">
-                  <a14:hiddenLine xmlns:a14="http://schemas.microsoft.com/office/drawing/2010/main" xmlns="" w="9525">
+                  <a14:hiddenLine xmlns="" xmlns:a14="http://schemas.microsoft.com/office/drawing/2010/main" w="9525">
                     <a:solidFill>
                       <a:srgbClr val="000000"/>
                     </a:solidFill>
@@ -11546,7 +11546,7 @@
               </a:ln>
               <a:extLst>
                 <a:ext uri="{91240B29-F687-4f45-9708-019B960494DF}">
-                  <a14:hiddenLine xmlns:a14="http://schemas.microsoft.com/office/drawing/2010/main" xmlns="" w="9525">
+                  <a14:hiddenLine xmlns="" xmlns:a14="http://schemas.microsoft.com/office/drawing/2010/main" w="9525">
                     <a:solidFill>
                       <a:srgbClr val="000000"/>
                     </a:solidFill>
@@ -11614,7 +11614,7 @@
               </a:ln>
               <a:extLst>
                 <a:ext uri="{91240B29-F687-4f45-9708-019B960494DF}">
-                  <a14:hiddenLine xmlns:a14="http://schemas.microsoft.com/office/drawing/2010/main" xmlns="" w="9525">
+                  <a14:hiddenLine xmlns="" xmlns:a14="http://schemas.microsoft.com/office/drawing/2010/main" w="9525">
                     <a:solidFill>
                       <a:srgbClr val="000000"/>
                     </a:solidFill>
@@ -11704,7 +11704,7 @@
               </a:ln>
               <a:extLst>
                 <a:ext uri="{91240B29-F687-4f45-9708-019B960494DF}">
-                  <a14:hiddenLine xmlns:a14="http://schemas.microsoft.com/office/drawing/2010/main" xmlns="" w="9525">
+                  <a14:hiddenLine xmlns="" xmlns:a14="http://schemas.microsoft.com/office/drawing/2010/main" w="9525">
                     <a:solidFill>
                       <a:srgbClr val="000000"/>
                     </a:solidFill>
@@ -11772,7 +11772,7 @@
               </a:ln>
               <a:extLst>
                 <a:ext uri="{91240B29-F687-4f45-9708-019B960494DF}">
-                  <a14:hiddenLine xmlns:a14="http://schemas.microsoft.com/office/drawing/2010/main" xmlns="" w="9525">
+                  <a14:hiddenLine xmlns="" xmlns:a14="http://schemas.microsoft.com/office/drawing/2010/main" w="9525">
                     <a:solidFill>
                       <a:srgbClr val="000000"/>
                     </a:solidFill>
@@ -11862,7 +11862,7 @@
               </a:ln>
               <a:extLst>
                 <a:ext uri="{91240B29-F687-4f45-9708-019B960494DF}">
-                  <a14:hiddenLine xmlns:a14="http://schemas.microsoft.com/office/drawing/2010/main" xmlns="" w="9525">
+                  <a14:hiddenLine xmlns="" xmlns:a14="http://schemas.microsoft.com/office/drawing/2010/main" w="9525">
                     <a:solidFill>
                       <a:srgbClr val="000000"/>
                     </a:solidFill>
@@ -11896,7 +11896,7 @@
               </a:ln>
               <a:extLst>
                 <a:ext uri="{91240B29-F687-4f45-9708-019B960494DF}">
-                  <a14:hiddenLine xmlns:a14="http://schemas.microsoft.com/office/drawing/2010/main" xmlns="" w="9525">
+                  <a14:hiddenLine xmlns="" xmlns:a14="http://schemas.microsoft.com/office/drawing/2010/main" w="9525">
                     <a:solidFill>
                       <a:srgbClr val="000000"/>
                     </a:solidFill>
@@ -12503,27 +12503,15 @@
           <a:lstStyle/>
           <a:p>
             <a:pPr algn="r"/>
-            <a:r>
-              <a:rPr lang="es-CO" dirty="0"/>
-              <a:t/>
-            </a:r>
             <a:br>
               <a:rPr lang="es-CO" dirty="0"/>
             </a:br>
-            <a:r>
-              <a:rPr lang="es-CO" dirty="0"/>
-              <a:t/>
-            </a:r>
             <a:br>
               <a:rPr lang="es-CO" dirty="0"/>
             </a:br>
             <a:r>
               <a:rPr lang="es-CO" sz="2700" dirty="0"/>
               <a:t>APLICATIVO PARA FACTURACIÓN ELECTRONICA</a:t>
-            </a:r>
-            <a:r>
-              <a:rPr lang="es-CO" sz="2400" dirty="0"/>
-              <a:t/>
             </a:r>
             <a:br>
               <a:rPr lang="es-CO" sz="2400" dirty="0"/>
@@ -12535,10 +12523,6 @@
             <a:br>
               <a:rPr lang="es-CO" sz="2400" dirty="0"/>
             </a:br>
-            <a:r>
-              <a:rPr lang="es-CO" sz="2400" dirty="0"/>
-              <a:t/>
-            </a:r>
             <a:br>
               <a:rPr lang="es-CO" sz="2400" dirty="0"/>
             </a:br>
@@ -12897,12 +12881,8 @@
           </a:lstStyle>
           <a:p>
             <a:r>
-              <a:rPr lang="es-CO" b="1" u="sng" dirty="0" smtClean="0"/>
-              <a:t>Registro </a:t>
-            </a:r>
-            <a:r>
               <a:rPr lang="es-CO" b="1" u="sng" dirty="0"/>
-              <a:t>de tiempos individuales</a:t>
+              <a:t>Registro de tiempos individuales</a:t>
             </a:r>
             <a:r>
               <a:rPr lang="es-CO" dirty="0"/>
@@ -12984,13 +12964,8 @@
             </a:r>
             <a:r>
               <a:rPr lang="es-CO" dirty="0"/>
-              <a:t>, para la asignación de tareas</a:t>
+              <a:t>, para la asignación de tareas.</a:t>
             </a:r>
-            <a:r>
-              <a:rPr lang="es-CO" dirty="0" smtClean="0"/>
-              <a:t>.</a:t>
-            </a:r>
-            <a:endParaRPr lang="es-CO" dirty="0"/>
           </a:p>
         </p:txBody>
       </p:sp>
@@ -14408,10 +14383,6 @@
           <a:bodyPr/>
           <a:lstStyle/>
           <a:p>
-            <a:r>
-              <a:rPr lang="en-US"/>
-              <a:t/>
-            </a:r>
             <a:br>
               <a:rPr lang="en-US"/>
             </a:br>
@@ -14588,7 +14559,7 @@
                 <a16:creationId xmlns:a16="http://schemas.microsoft.com/office/drawing/2014/main" id="{E4B7B3E3-827A-48BE-AD67-A57C45AA6949}"/>
               </a:ext>
               <a:ext uri="{C183D7F6-B498-43B3-948B-1728B52AA6E4}">
-                <adec:decorative xmlns:adec="http://schemas.microsoft.com/office/drawing/2017/decorative" xmlns="" val="1"/>
+                <adec:decorative xmlns:adec="http://schemas.microsoft.com/office/drawing/2017/decorative" val="1"/>
               </a:ext>
             </a:extLst>
           </p:cNvPr>
@@ -14794,7 +14765,7 @@
                 <a16:creationId xmlns:a16="http://schemas.microsoft.com/office/drawing/2014/main" id="{E4B7B3E3-827A-48BE-AD67-A57C45AA6949}"/>
               </a:ext>
               <a:ext uri="{C183D7F6-B498-43B3-948B-1728B52AA6E4}">
-                <adec:decorative xmlns:adec="http://schemas.microsoft.com/office/drawing/2017/decorative" xmlns="" val="1"/>
+                <adec:decorative xmlns:adec="http://schemas.microsoft.com/office/drawing/2017/decorative" val="1"/>
               </a:ext>
             </a:extLst>
           </p:cNvPr>
@@ -15000,7 +14971,7 @@
                 <a16:creationId xmlns:a16="http://schemas.microsoft.com/office/drawing/2014/main" id="{E4B7B3E3-827A-48BE-AD67-A57C45AA6949}"/>
               </a:ext>
               <a:ext uri="{C183D7F6-B498-43B3-948B-1728B52AA6E4}">
-                <adec:decorative xmlns:adec="http://schemas.microsoft.com/office/drawing/2017/decorative" xmlns="" val="1"/>
+                <adec:decorative xmlns:adec="http://schemas.microsoft.com/office/drawing/2017/decorative" val="1"/>
               </a:ext>
             </a:extLst>
           </p:cNvPr>
@@ -15435,7 +15406,7 @@
                 <a16:creationId xmlns:a16="http://schemas.microsoft.com/office/drawing/2014/main" id="{B882E441-FBBB-4BE0-AD21-E7ADF5F6A469}"/>
               </a:ext>
               <a:ext uri="{C183D7F6-B498-43B3-948B-1728B52AA6E4}">
-                <adec:decorative xmlns:adec="http://schemas.microsoft.com/office/drawing/2017/decorative" xmlns="" val="1"/>
+                <adec:decorative xmlns:adec="http://schemas.microsoft.com/office/drawing/2017/decorative" val="1"/>
               </a:ext>
             </a:extLst>
           </p:cNvPr>
@@ -15492,7 +15463,7 @@
                 <a16:creationId xmlns:a16="http://schemas.microsoft.com/office/drawing/2014/main" id="{72A9CFA7-7B9A-4AD7-AB70-C7667C5948CD}"/>
               </a:ext>
               <a:ext uri="{C183D7F6-B498-43B3-948B-1728B52AA6E4}">
-                <adec:decorative xmlns:adec="http://schemas.microsoft.com/office/drawing/2017/decorative" xmlns="" val="1"/>
+                <adec:decorative xmlns:adec="http://schemas.microsoft.com/office/drawing/2017/decorative" val="1"/>
               </a:ext>
             </a:extLst>
           </p:cNvPr>
@@ -15523,7 +15494,7 @@
                   <a16:creationId xmlns:a16="http://schemas.microsoft.com/office/drawing/2014/main" id="{02D181EE-0684-4FB2-A7D1-87DC0D9E3744}"/>
                 </a:ext>
                 <a:ext uri="{C183D7F6-B498-43B3-948B-1728B52AA6E4}">
-                  <adec:decorative xmlns:adec="http://schemas.microsoft.com/office/drawing/2017/decorative" xmlns="" val="1"/>
+                  <adec:decorative xmlns:adec="http://schemas.microsoft.com/office/drawing/2017/decorative" val="1"/>
                 </a:ext>
               </a:extLst>
             </p:cNvPr>
@@ -15567,7 +15538,7 @@
                     <a16:creationId xmlns:a16="http://schemas.microsoft.com/office/drawing/2014/main" id="{65F0E1C9-0581-49F0-9914-4BA9274E9FD2}"/>
                   </a:ext>
                   <a:ext uri="{C183D7F6-B498-43B3-948B-1728B52AA6E4}">
-                    <adec:decorative xmlns:adec="http://schemas.microsoft.com/office/drawing/2017/decorative" xmlns="" val="1"/>
+                    <adec:decorative xmlns:adec="http://schemas.microsoft.com/office/drawing/2017/decorative" val="1"/>
                   </a:ext>
                 </a:extLst>
               </p:cNvPr>
@@ -15616,7 +15587,7 @@
                     <a16:creationId xmlns:a16="http://schemas.microsoft.com/office/drawing/2014/main" id="{921A05EA-3A7D-47C1-AFB8-55355BA87219}"/>
                   </a:ext>
                   <a:ext uri="{C183D7F6-B498-43B3-948B-1728B52AA6E4}">
-                    <adec:decorative xmlns:adec="http://schemas.microsoft.com/office/drawing/2017/decorative" xmlns="" val="1"/>
+                    <adec:decorative xmlns:adec="http://schemas.microsoft.com/office/drawing/2017/decorative" val="1"/>
                   </a:ext>
                 </a:extLst>
               </p:cNvPr>
@@ -15721,7 +15692,7 @@
                     <a16:creationId xmlns:a16="http://schemas.microsoft.com/office/drawing/2014/main" id="{09782112-2D7D-4B3E-A1F0-A1C3819AD879}"/>
                   </a:ext>
                   <a:ext uri="{C183D7F6-B498-43B3-948B-1728B52AA6E4}">
-                    <adec:decorative xmlns:adec="http://schemas.microsoft.com/office/drawing/2017/decorative" xmlns="" val="1"/>
+                    <adec:decorative xmlns:adec="http://schemas.microsoft.com/office/drawing/2017/decorative" val="1"/>
                   </a:ext>
                 </a:extLst>
               </p:cNvPr>
@@ -15826,7 +15797,7 @@
                     <a16:creationId xmlns:a16="http://schemas.microsoft.com/office/drawing/2014/main" id="{4F9C8459-423F-4B2B-ADBE-439B86106038}"/>
                   </a:ext>
                   <a:ext uri="{C183D7F6-B498-43B3-948B-1728B52AA6E4}">
-                    <adec:decorative xmlns:adec="http://schemas.microsoft.com/office/drawing/2017/decorative" xmlns="" val="1"/>
+                    <adec:decorative xmlns:adec="http://schemas.microsoft.com/office/drawing/2017/decorative" val="1"/>
                   </a:ext>
                 </a:extLst>
               </p:cNvPr>
@@ -15903,7 +15874,7 @@
                     <a16:creationId xmlns:a16="http://schemas.microsoft.com/office/drawing/2014/main" id="{286C3962-CCDF-4801-824A-25618CC47912}"/>
                   </a:ext>
                   <a:ext uri="{C183D7F6-B498-43B3-948B-1728B52AA6E4}">
-                    <adec:decorative xmlns:adec="http://schemas.microsoft.com/office/drawing/2017/decorative" xmlns="" val="1"/>
+                    <adec:decorative xmlns:adec="http://schemas.microsoft.com/office/drawing/2017/decorative" val="1"/>
                   </a:ext>
                 </a:extLst>
               </p:cNvPr>
@@ -16008,7 +15979,7 @@
                     <a16:creationId xmlns:a16="http://schemas.microsoft.com/office/drawing/2014/main" id="{D640D23A-5BDE-4714-8681-936AAC574E20}"/>
                   </a:ext>
                   <a:ext uri="{C183D7F6-B498-43B3-948B-1728B52AA6E4}">
-                    <adec:decorative xmlns:adec="http://schemas.microsoft.com/office/drawing/2017/decorative" xmlns="" val="1"/>
+                    <adec:decorative xmlns:adec="http://schemas.microsoft.com/office/drawing/2017/decorative" val="1"/>
                   </a:ext>
                 </a:extLst>
               </p:cNvPr>
@@ -16085,7 +16056,7 @@
                     <a16:creationId xmlns:a16="http://schemas.microsoft.com/office/drawing/2014/main" id="{4F8E92AC-B601-4317-B46F-8ED054DBDE95}"/>
                   </a:ext>
                   <a:ext uri="{C183D7F6-B498-43B3-948B-1728B52AA6E4}">
-                    <adec:decorative xmlns:adec="http://schemas.microsoft.com/office/drawing/2017/decorative" xmlns="" val="1"/>
+                    <adec:decorative xmlns:adec="http://schemas.microsoft.com/office/drawing/2017/decorative" val="1"/>
                   </a:ext>
                 </a:extLst>
               </p:cNvPr>
@@ -16162,7 +16133,7 @@
                     <a16:creationId xmlns:a16="http://schemas.microsoft.com/office/drawing/2014/main" id="{0CF7AD71-F8E9-4F13-BBB9-8D3856C982E8}"/>
                   </a:ext>
                   <a:ext uri="{C183D7F6-B498-43B3-948B-1728B52AA6E4}">
-                    <adec:decorative xmlns:adec="http://schemas.microsoft.com/office/drawing/2017/decorative" xmlns="" val="1"/>
+                    <adec:decorative xmlns:adec="http://schemas.microsoft.com/office/drawing/2017/decorative" val="1"/>
                   </a:ext>
                 </a:extLst>
               </p:cNvPr>
@@ -16267,7 +16238,7 @@
                     <a16:creationId xmlns:a16="http://schemas.microsoft.com/office/drawing/2014/main" id="{32F7368C-4F04-45C5-8243-9E26D8DB1129}"/>
                   </a:ext>
                   <a:ext uri="{C183D7F6-B498-43B3-948B-1728B52AA6E4}">
-                    <adec:decorative xmlns:adec="http://schemas.microsoft.com/office/drawing/2017/decorative" xmlns="" val="1"/>
+                    <adec:decorative xmlns:adec="http://schemas.microsoft.com/office/drawing/2017/decorative" val="1"/>
                   </a:ext>
                 </a:extLst>
               </p:cNvPr>
@@ -16372,7 +16343,7 @@
                     <a16:creationId xmlns:a16="http://schemas.microsoft.com/office/drawing/2014/main" id="{335A85BC-6E54-4DE0-BB0C-A54BADF2218B}"/>
                   </a:ext>
                   <a:ext uri="{C183D7F6-B498-43B3-948B-1728B52AA6E4}">
-                    <adec:decorative xmlns:adec="http://schemas.microsoft.com/office/drawing/2017/decorative" xmlns="" val="1"/>
+                    <adec:decorative xmlns:adec="http://schemas.microsoft.com/office/drawing/2017/decorative" val="1"/>
                   </a:ext>
                 </a:extLst>
               </p:cNvPr>
@@ -16449,7 +16420,7 @@
                     <a16:creationId xmlns:a16="http://schemas.microsoft.com/office/drawing/2014/main" id="{E7DFA615-C86D-46F3-9A2D-A66EC25C8301}"/>
                   </a:ext>
                   <a:ext uri="{C183D7F6-B498-43B3-948B-1728B52AA6E4}">
-                    <adec:decorative xmlns:adec="http://schemas.microsoft.com/office/drawing/2017/decorative" xmlns="" val="1"/>
+                    <adec:decorative xmlns:adec="http://schemas.microsoft.com/office/drawing/2017/decorative" val="1"/>
                   </a:ext>
                 </a:extLst>
               </p:cNvPr>
@@ -16574,7 +16545,7 @@
                     <a16:creationId xmlns:a16="http://schemas.microsoft.com/office/drawing/2014/main" id="{8C9054DF-8242-4F51-AA1F-2C3E578934DA}"/>
                   </a:ext>
                   <a:ext uri="{C183D7F6-B498-43B3-948B-1728B52AA6E4}">
-                    <adec:decorative xmlns:adec="http://schemas.microsoft.com/office/drawing/2017/decorative" xmlns="" val="1"/>
+                    <adec:decorative xmlns:adec="http://schemas.microsoft.com/office/drawing/2017/decorative" val="1"/>
                   </a:ext>
                 </a:extLst>
               </p:cNvPr>
@@ -16617,7 +16588,7 @@
                     <a16:creationId xmlns:a16="http://schemas.microsoft.com/office/drawing/2014/main" id="{C8597469-1168-4794-BA2D-5D8BDAA7986B}"/>
                   </a:ext>
                   <a:ext uri="{C183D7F6-B498-43B3-948B-1728B52AA6E4}">
-                    <adec:decorative xmlns:adec="http://schemas.microsoft.com/office/drawing/2017/decorative" xmlns="" val="1"/>
+                    <adec:decorative xmlns:adec="http://schemas.microsoft.com/office/drawing/2017/decorative" val="1"/>
                   </a:ext>
                 </a:extLst>
               </p:cNvPr>
@@ -16688,7 +16659,7 @@
                     <a16:creationId xmlns:a16="http://schemas.microsoft.com/office/drawing/2014/main" id="{0A19C83D-19FF-4041-B0F8-EB49ABD67571}"/>
                   </a:ext>
                   <a:ext uri="{C183D7F6-B498-43B3-948B-1728B52AA6E4}">
-                    <adec:decorative xmlns:adec="http://schemas.microsoft.com/office/drawing/2017/decorative" xmlns="" val="1"/>
+                    <adec:decorative xmlns:adec="http://schemas.microsoft.com/office/drawing/2017/decorative" val="1"/>
                   </a:ext>
                 </a:extLst>
               </p:cNvPr>
@@ -16765,7 +16736,7 @@
                     <a16:creationId xmlns:a16="http://schemas.microsoft.com/office/drawing/2014/main" id="{A2794D14-45AE-4C56-893E-1618DE3652E9}"/>
                   </a:ext>
                   <a:ext uri="{C183D7F6-B498-43B3-948B-1728B52AA6E4}">
-                    <adec:decorative xmlns:adec="http://schemas.microsoft.com/office/drawing/2017/decorative" xmlns="" val="1"/>
+                    <adec:decorative xmlns:adec="http://schemas.microsoft.com/office/drawing/2017/decorative" val="1"/>
                   </a:ext>
                 </a:extLst>
               </p:cNvPr>
@@ -16842,7 +16813,7 @@
                     <a16:creationId xmlns:a16="http://schemas.microsoft.com/office/drawing/2014/main" id="{5B5CB3C0-3FEC-445D-9AE7-B76DC831847A}"/>
                   </a:ext>
                   <a:ext uri="{C183D7F6-B498-43B3-948B-1728B52AA6E4}">
-                    <adec:decorative xmlns:adec="http://schemas.microsoft.com/office/drawing/2017/decorative" xmlns="" val="1"/>
+                    <adec:decorative xmlns:adec="http://schemas.microsoft.com/office/drawing/2017/decorative" val="1"/>
                   </a:ext>
                 </a:extLst>
               </p:cNvPr>
@@ -16947,7 +16918,7 @@
                     <a16:creationId xmlns:a16="http://schemas.microsoft.com/office/drawing/2014/main" id="{EF87049D-247B-4090-A5FD-72596A49C9EF}"/>
                   </a:ext>
                   <a:ext uri="{C183D7F6-B498-43B3-948B-1728B52AA6E4}">
-                    <adec:decorative xmlns:adec="http://schemas.microsoft.com/office/drawing/2017/decorative" xmlns="" val="1"/>
+                    <adec:decorative xmlns:adec="http://schemas.microsoft.com/office/drawing/2017/decorative" val="1"/>
                   </a:ext>
                 </a:extLst>
               </p:cNvPr>
@@ -16996,7 +16967,7 @@
                     <a16:creationId xmlns:a16="http://schemas.microsoft.com/office/drawing/2014/main" id="{1D048CEC-518F-4BCB-A350-C0B610161BFE}"/>
                   </a:ext>
                   <a:ext uri="{C183D7F6-B498-43B3-948B-1728B52AA6E4}">
-                    <adec:decorative xmlns:adec="http://schemas.microsoft.com/office/drawing/2017/decorative" xmlns="" val="1"/>
+                    <adec:decorative xmlns:adec="http://schemas.microsoft.com/office/drawing/2017/decorative" val="1"/>
                   </a:ext>
                 </a:extLst>
               </p:cNvPr>
@@ -17076,7 +17047,7 @@
                     <a16:creationId xmlns:a16="http://schemas.microsoft.com/office/drawing/2014/main" id="{AA6F6866-13D5-468C-84DE-36A4F41BE7E5}"/>
                   </a:ext>
                   <a:ext uri="{C183D7F6-B498-43B3-948B-1728B52AA6E4}">
-                    <adec:decorative xmlns:adec="http://schemas.microsoft.com/office/drawing/2017/decorative" xmlns="" val="1"/>
+                    <adec:decorative xmlns:adec="http://schemas.microsoft.com/office/drawing/2017/decorative" val="1"/>
                   </a:ext>
                 </a:extLst>
               </p:cNvPr>
@@ -17181,7 +17152,7 @@
                     <a16:creationId xmlns:a16="http://schemas.microsoft.com/office/drawing/2014/main" id="{41E0D740-4AD8-417B-873E-ADFE6632ED44}"/>
                   </a:ext>
                   <a:ext uri="{C183D7F6-B498-43B3-948B-1728B52AA6E4}">
-                    <adec:decorative xmlns:adec="http://schemas.microsoft.com/office/drawing/2017/decorative" xmlns="" val="1"/>
+                    <adec:decorative xmlns:adec="http://schemas.microsoft.com/office/drawing/2017/decorative" val="1"/>
                   </a:ext>
                 </a:extLst>
               </p:cNvPr>
@@ -17258,7 +17229,7 @@
                     <a16:creationId xmlns:a16="http://schemas.microsoft.com/office/drawing/2014/main" id="{193D799E-85C6-4E13-94FB-1B1629A17C61}"/>
                   </a:ext>
                   <a:ext uri="{C183D7F6-B498-43B3-948B-1728B52AA6E4}">
-                    <adec:decorative xmlns:adec="http://schemas.microsoft.com/office/drawing/2017/decorative" xmlns="" val="1"/>
+                    <adec:decorative xmlns:adec="http://schemas.microsoft.com/office/drawing/2017/decorative" val="1"/>
                   </a:ext>
                 </a:extLst>
               </p:cNvPr>
@@ -17363,7 +17334,7 @@
                     <a16:creationId xmlns:a16="http://schemas.microsoft.com/office/drawing/2014/main" id="{F60165E1-F8F1-4814-B0D9-A1806CE34956}"/>
                   </a:ext>
                   <a:ext uri="{C183D7F6-B498-43B3-948B-1728B52AA6E4}">
-                    <adec:decorative xmlns:adec="http://schemas.microsoft.com/office/drawing/2017/decorative" xmlns="" val="1"/>
+                    <adec:decorative xmlns:adec="http://schemas.microsoft.com/office/drawing/2017/decorative" val="1"/>
                   </a:ext>
                 </a:extLst>
               </p:cNvPr>
@@ -17443,7 +17414,7 @@
                     <a16:creationId xmlns:a16="http://schemas.microsoft.com/office/drawing/2014/main" id="{1289F749-6039-4BA9-A27C-DDEA97BAF67A}"/>
                   </a:ext>
                   <a:ext uri="{C183D7F6-B498-43B3-948B-1728B52AA6E4}">
-                    <adec:decorative xmlns:adec="http://schemas.microsoft.com/office/drawing/2017/decorative" xmlns="" val="1"/>
+                    <adec:decorative xmlns:adec="http://schemas.microsoft.com/office/drawing/2017/decorative" val="1"/>
                   </a:ext>
                 </a:extLst>
               </p:cNvPr>
@@ -17520,7 +17491,7 @@
                     <a16:creationId xmlns:a16="http://schemas.microsoft.com/office/drawing/2014/main" id="{E81B336E-CA05-40DD-A252-78B14265651D}"/>
                   </a:ext>
                   <a:ext uri="{C183D7F6-B498-43B3-948B-1728B52AA6E4}">
-                    <adec:decorative xmlns:adec="http://schemas.microsoft.com/office/drawing/2017/decorative" xmlns="" val="1"/>
+                    <adec:decorative xmlns:adec="http://schemas.microsoft.com/office/drawing/2017/decorative" val="1"/>
                   </a:ext>
                 </a:extLst>
               </p:cNvPr>
@@ -17625,7 +17596,7 @@
                     <a16:creationId xmlns:a16="http://schemas.microsoft.com/office/drawing/2014/main" id="{27CEA681-1510-4213-A605-0A250A7486AA}"/>
                   </a:ext>
                   <a:ext uri="{C183D7F6-B498-43B3-948B-1728B52AA6E4}">
-                    <adec:decorative xmlns:adec="http://schemas.microsoft.com/office/drawing/2017/decorative" xmlns="" val="1"/>
+                    <adec:decorative xmlns:adec="http://schemas.microsoft.com/office/drawing/2017/decorative" val="1"/>
                   </a:ext>
                 </a:extLst>
               </p:cNvPr>
@@ -17730,7 +17701,7 @@
                     <a16:creationId xmlns:a16="http://schemas.microsoft.com/office/drawing/2014/main" id="{99A7CF31-4EC7-47B7-9A6B-95A0CFC7971D}"/>
                   </a:ext>
                   <a:ext uri="{C183D7F6-B498-43B3-948B-1728B52AA6E4}">
-                    <adec:decorative xmlns:adec="http://schemas.microsoft.com/office/drawing/2017/decorative" xmlns="" val="1"/>
+                    <adec:decorative xmlns:adec="http://schemas.microsoft.com/office/drawing/2017/decorative" val="1"/>
                   </a:ext>
                 </a:extLst>
               </p:cNvPr>
@@ -17810,7 +17781,7 @@
                     <a16:creationId xmlns:a16="http://schemas.microsoft.com/office/drawing/2014/main" id="{733E9F48-DD20-413A-A03E-7C7EF1EFC150}"/>
                   </a:ext>
                   <a:ext uri="{C183D7F6-B498-43B3-948B-1728B52AA6E4}">
-                    <adec:decorative xmlns:adec="http://schemas.microsoft.com/office/drawing/2017/decorative" xmlns="" val="1"/>
+                    <adec:decorative xmlns:adec="http://schemas.microsoft.com/office/drawing/2017/decorative" val="1"/>
                   </a:ext>
                 </a:extLst>
               </p:cNvPr>
@@ -17946,7 +17917,7 @@
                   <a16:creationId xmlns:a16="http://schemas.microsoft.com/office/drawing/2014/main" id="{9AC11C72-708D-4226-83D9-8465847864E1}"/>
                 </a:ext>
                 <a:ext uri="{C183D7F6-B498-43B3-948B-1728B52AA6E4}">
-                  <adec:decorative xmlns:adec="http://schemas.microsoft.com/office/drawing/2017/decorative" xmlns="" val="1"/>
+                  <adec:decorative xmlns:adec="http://schemas.microsoft.com/office/drawing/2017/decorative" val="1"/>
                 </a:ext>
               </a:extLst>
             </p:cNvPr>
@@ -17993,7 +17964,7 @@
                     <a16:creationId xmlns:a16="http://schemas.microsoft.com/office/drawing/2014/main" id="{A3BDCBC2-F3C9-4322-A19F-92D799BA2704}"/>
                   </a:ext>
                   <a:ext uri="{C183D7F6-B498-43B3-948B-1728B52AA6E4}">
-                    <adec:decorative xmlns:adec="http://schemas.microsoft.com/office/drawing/2017/decorative" xmlns="" val="1"/>
+                    <adec:decorative xmlns:adec="http://schemas.microsoft.com/office/drawing/2017/decorative" val="1"/>
                   </a:ext>
                 </a:extLst>
               </p:cNvPr>
@@ -18073,7 +18044,7 @@
                     <a16:creationId xmlns:a16="http://schemas.microsoft.com/office/drawing/2014/main" id="{D6499DC4-58DE-4F54-8244-418F53503E52}"/>
                   </a:ext>
                   <a:ext uri="{C183D7F6-B498-43B3-948B-1728B52AA6E4}">
-                    <adec:decorative xmlns:adec="http://schemas.microsoft.com/office/drawing/2017/decorative" xmlns="" val="1"/>
+                    <adec:decorative xmlns:adec="http://schemas.microsoft.com/office/drawing/2017/decorative" val="1"/>
                   </a:ext>
                 </a:extLst>
               </p:cNvPr>
@@ -18203,7 +18174,7 @@
                     <a16:creationId xmlns:a16="http://schemas.microsoft.com/office/drawing/2014/main" id="{FF4F0425-C4EA-4063-86D6-BA8336ECCEE7}"/>
                   </a:ext>
                   <a:ext uri="{C183D7F6-B498-43B3-948B-1728B52AA6E4}">
-                    <adec:decorative xmlns:adec="http://schemas.microsoft.com/office/drawing/2017/decorative" xmlns="" val="1"/>
+                    <adec:decorative xmlns:adec="http://schemas.microsoft.com/office/drawing/2017/decorative" val="1"/>
                   </a:ext>
                 </a:extLst>
               </p:cNvPr>
@@ -18308,7 +18279,7 @@
                     <a16:creationId xmlns:a16="http://schemas.microsoft.com/office/drawing/2014/main" id="{CBF60FB4-6211-4E97-B5B8-32B0997F80F3}"/>
                   </a:ext>
                   <a:ext uri="{C183D7F6-B498-43B3-948B-1728B52AA6E4}">
-                    <adec:decorative xmlns:adec="http://schemas.microsoft.com/office/drawing/2017/decorative" xmlns="" val="1"/>
+                    <adec:decorative xmlns:adec="http://schemas.microsoft.com/office/drawing/2017/decorative" val="1"/>
                   </a:ext>
                 </a:extLst>
               </p:cNvPr>
@@ -18388,7 +18359,7 @@
                     <a16:creationId xmlns:a16="http://schemas.microsoft.com/office/drawing/2014/main" id="{21925C84-D56D-4B52-874C-AC2783823C53}"/>
                   </a:ext>
                   <a:ext uri="{C183D7F6-B498-43B3-948B-1728B52AA6E4}">
-                    <adec:decorative xmlns:adec="http://schemas.microsoft.com/office/drawing/2017/decorative" xmlns="" val="1"/>
+                    <adec:decorative xmlns:adec="http://schemas.microsoft.com/office/drawing/2017/decorative" val="1"/>
                   </a:ext>
                 </a:extLst>
               </p:cNvPr>
@@ -18493,7 +18464,7 @@
                     <a16:creationId xmlns:a16="http://schemas.microsoft.com/office/drawing/2014/main" id="{518070E4-22B7-4742-B08A-1BE99661E571}"/>
                   </a:ext>
                   <a:ext uri="{C183D7F6-B498-43B3-948B-1728B52AA6E4}">
-                    <adec:decorative xmlns:adec="http://schemas.microsoft.com/office/drawing/2017/decorative" xmlns="" val="1"/>
+                    <adec:decorative xmlns:adec="http://schemas.microsoft.com/office/drawing/2017/decorative" val="1"/>
                   </a:ext>
                 </a:extLst>
               </p:cNvPr>
@@ -18576,7 +18547,7 @@
                     <a16:creationId xmlns:a16="http://schemas.microsoft.com/office/drawing/2014/main" id="{325D21C8-5AC6-464B-B6C7-1347BEF537DC}"/>
                   </a:ext>
                   <a:ext uri="{C183D7F6-B498-43B3-948B-1728B52AA6E4}">
-                    <adec:decorative xmlns:adec="http://schemas.microsoft.com/office/drawing/2017/decorative" xmlns="" val="1"/>
+                    <adec:decorative xmlns:adec="http://schemas.microsoft.com/office/drawing/2017/decorative" val="1"/>
                   </a:ext>
                 </a:extLst>
               </p:cNvPr>
@@ -18681,7 +18652,7 @@
                     <a16:creationId xmlns:a16="http://schemas.microsoft.com/office/drawing/2014/main" id="{A17FB258-8D26-45E8-8E81-50E9C1DF8623}"/>
                   </a:ext>
                   <a:ext uri="{C183D7F6-B498-43B3-948B-1728B52AA6E4}">
-                    <adec:decorative xmlns:adec="http://schemas.microsoft.com/office/drawing/2017/decorative" xmlns="" val="1"/>
+                    <adec:decorative xmlns:adec="http://schemas.microsoft.com/office/drawing/2017/decorative" val="1"/>
                   </a:ext>
                 </a:extLst>
               </p:cNvPr>
@@ -18764,7 +18735,7 @@
                     <a16:creationId xmlns:a16="http://schemas.microsoft.com/office/drawing/2014/main" id="{1F572CD7-AE60-496C-8D34-233853EFBF14}"/>
                   </a:ext>
                   <a:ext uri="{C183D7F6-B498-43B3-948B-1728B52AA6E4}">
-                    <adec:decorative xmlns:adec="http://schemas.microsoft.com/office/drawing/2017/decorative" xmlns="" val="1"/>
+                    <adec:decorative xmlns:adec="http://schemas.microsoft.com/office/drawing/2017/decorative" val="1"/>
                   </a:ext>
                 </a:extLst>
               </p:cNvPr>
@@ -18869,7 +18840,7 @@
                     <a16:creationId xmlns:a16="http://schemas.microsoft.com/office/drawing/2014/main" id="{BBFDA56D-E398-47C5-B776-15DD0A9A1161}"/>
                   </a:ext>
                   <a:ext uri="{C183D7F6-B498-43B3-948B-1728B52AA6E4}">
-                    <adec:decorative xmlns:adec="http://schemas.microsoft.com/office/drawing/2017/decorative" xmlns="" val="1"/>
+                    <adec:decorative xmlns:adec="http://schemas.microsoft.com/office/drawing/2017/decorative" val="1"/>
                   </a:ext>
                 </a:extLst>
               </p:cNvPr>
@@ -18920,7 +18891,7 @@
                 <a16:creationId xmlns:a16="http://schemas.microsoft.com/office/drawing/2014/main" id="{6D0460B6-9076-4C49-9BB6-E8D95BFF997B}"/>
               </a:ext>
               <a:ext uri="{C183D7F6-B498-43B3-948B-1728B52AA6E4}">
-                <adec:decorative xmlns:adec="http://schemas.microsoft.com/office/drawing/2017/decorative" xmlns="" val="1"/>
+                <adec:decorative xmlns:adec="http://schemas.microsoft.com/office/drawing/2017/decorative" val="1"/>
               </a:ext>
             </a:extLst>
           </p:cNvPr>
@@ -18980,7 +18951,7 @@
                 <a16:creationId xmlns:a16="http://schemas.microsoft.com/office/drawing/2014/main" id="{A18919FE-8209-4EDB-9032-324A6966ABB7}"/>
               </a:ext>
               <a:ext uri="{C183D7F6-B498-43B3-948B-1728B52AA6E4}">
-                <adec:decorative xmlns:adec="http://schemas.microsoft.com/office/drawing/2017/decorative" xmlns="" val="1"/>
+                <adec:decorative xmlns:adec="http://schemas.microsoft.com/office/drawing/2017/decorative" val="1"/>
               </a:ext>
             </a:extLst>
           </p:cNvPr>
@@ -19011,7 +18982,7 @@
                   <a16:creationId xmlns:a16="http://schemas.microsoft.com/office/drawing/2014/main" id="{9C5FB100-264B-45AB-9117-EAD922CE1A88}"/>
                 </a:ext>
                 <a:ext uri="{C183D7F6-B498-43B3-948B-1728B52AA6E4}">
-                  <adec:decorative xmlns:adec="http://schemas.microsoft.com/office/drawing/2017/decorative" xmlns="" val="1"/>
+                  <adec:decorative xmlns:adec="http://schemas.microsoft.com/office/drawing/2017/decorative" val="1"/>
                 </a:ext>
               </a:extLst>
             </p:cNvPr>
@@ -19064,7 +19035,7 @@
                   <a16:creationId xmlns:a16="http://schemas.microsoft.com/office/drawing/2014/main" id="{B33757F5-6841-4A2D-8C2D-CB56E4EB5AF7}"/>
                 </a:ext>
                 <a:ext uri="{C183D7F6-B498-43B3-948B-1728B52AA6E4}">
-                  <adec:decorative xmlns:adec="http://schemas.microsoft.com/office/drawing/2017/decorative" xmlns="" val="1"/>
+                  <adec:decorative xmlns:adec="http://schemas.microsoft.com/office/drawing/2017/decorative" val="1"/>
                 </a:ext>
               </a:extLst>
             </p:cNvPr>
@@ -19173,7 +19144,7 @@
                   <a16:creationId xmlns:a16="http://schemas.microsoft.com/office/drawing/2014/main" id="{FC6141F1-9F53-422A-950F-EE54F397F492}"/>
                 </a:ext>
                 <a:ext uri="{C183D7F6-B498-43B3-948B-1728B52AA6E4}">
-                  <adec:decorative xmlns:adec="http://schemas.microsoft.com/office/drawing/2017/decorative" xmlns="" val="1"/>
+                  <adec:decorative xmlns:adec="http://schemas.microsoft.com/office/drawing/2017/decorative" val="1"/>
                 </a:ext>
               </a:extLst>
             </p:cNvPr>
@@ -19282,7 +19253,7 @@
                   <a16:creationId xmlns:a16="http://schemas.microsoft.com/office/drawing/2014/main" id="{2DFCCA9A-1E0C-4C87-88B8-BDA9B4A4B628}"/>
                 </a:ext>
                 <a:ext uri="{C183D7F6-B498-43B3-948B-1728B52AA6E4}">
-                  <adec:decorative xmlns:adec="http://schemas.microsoft.com/office/drawing/2017/decorative" xmlns="" val="1"/>
+                  <adec:decorative xmlns:adec="http://schemas.microsoft.com/office/drawing/2017/decorative" val="1"/>
                 </a:ext>
               </a:extLst>
             </p:cNvPr>
@@ -19335,7 +19306,7 @@
                   <a16:creationId xmlns:a16="http://schemas.microsoft.com/office/drawing/2014/main" id="{4E0ADA5D-6616-4E6E-BF17-75DD91E08E9F}"/>
                 </a:ext>
                 <a:ext uri="{C183D7F6-B498-43B3-948B-1728B52AA6E4}">
-                  <adec:decorative xmlns:adec="http://schemas.microsoft.com/office/drawing/2017/decorative" xmlns="" val="1"/>
+                  <adec:decorative xmlns:adec="http://schemas.microsoft.com/office/drawing/2017/decorative" val="1"/>
                 </a:ext>
               </a:extLst>
             </p:cNvPr>
@@ -19444,7 +19415,7 @@
                   <a16:creationId xmlns:a16="http://schemas.microsoft.com/office/drawing/2014/main" id="{BD6F69DE-C61F-4E88-944B-CB90028FC28D}"/>
                 </a:ext>
                 <a:ext uri="{C183D7F6-B498-43B3-948B-1728B52AA6E4}">
-                  <adec:decorative xmlns:adec="http://schemas.microsoft.com/office/drawing/2017/decorative" xmlns="" val="1"/>
+                  <adec:decorative xmlns:adec="http://schemas.microsoft.com/office/drawing/2017/decorative" val="1"/>
                 </a:ext>
               </a:extLst>
             </p:cNvPr>
@@ -19525,7 +19496,7 @@
                   <a16:creationId xmlns:a16="http://schemas.microsoft.com/office/drawing/2014/main" id="{758E0A94-C53F-49B4-AEF2-32EE8378308B}"/>
                 </a:ext>
                 <a:ext uri="{C183D7F6-B498-43B3-948B-1728B52AA6E4}">
-                  <adec:decorative xmlns:adec="http://schemas.microsoft.com/office/drawing/2017/decorative" xmlns="" val="1"/>
+                  <adec:decorative xmlns:adec="http://schemas.microsoft.com/office/drawing/2017/decorative" val="1"/>
                 </a:ext>
               </a:extLst>
             </p:cNvPr>
@@ -19606,7 +19577,7 @@
                   <a16:creationId xmlns:a16="http://schemas.microsoft.com/office/drawing/2014/main" id="{F4FE0679-8840-40BE-A9B2-4C3A6DB33C93}"/>
                 </a:ext>
                 <a:ext uri="{C183D7F6-B498-43B3-948B-1728B52AA6E4}">
-                  <adec:decorative xmlns:adec="http://schemas.microsoft.com/office/drawing/2017/decorative" xmlns="" val="1"/>
+                  <adec:decorative xmlns:adec="http://schemas.microsoft.com/office/drawing/2017/decorative" val="1"/>
                 </a:ext>
               </a:extLst>
             </p:cNvPr>
@@ -19715,7 +19686,7 @@
                   <a16:creationId xmlns:a16="http://schemas.microsoft.com/office/drawing/2014/main" id="{222BE2B3-0C57-42CD-A9CD-C2B3967E8E53}"/>
                 </a:ext>
                 <a:ext uri="{C183D7F6-B498-43B3-948B-1728B52AA6E4}">
-                  <adec:decorative xmlns:adec="http://schemas.microsoft.com/office/drawing/2017/decorative" xmlns="" val="1"/>
+                  <adec:decorative xmlns:adec="http://schemas.microsoft.com/office/drawing/2017/decorative" val="1"/>
                 </a:ext>
               </a:extLst>
             </p:cNvPr>
@@ -19796,7 +19767,7 @@
                   <a16:creationId xmlns:a16="http://schemas.microsoft.com/office/drawing/2014/main" id="{AAE24491-8603-4066-B2CF-09D500ADF7F9}"/>
                 </a:ext>
                 <a:ext uri="{C183D7F6-B498-43B3-948B-1728B52AA6E4}">
-                  <adec:decorative xmlns:adec="http://schemas.microsoft.com/office/drawing/2017/decorative" xmlns="" val="1"/>
+                  <adec:decorative xmlns:adec="http://schemas.microsoft.com/office/drawing/2017/decorative" val="1"/>
                 </a:ext>
               </a:extLst>
             </p:cNvPr>
@@ -19877,7 +19848,7 @@
                   <a16:creationId xmlns:a16="http://schemas.microsoft.com/office/drawing/2014/main" id="{F9EDB742-7FB5-417C-84DF-A1BF789BB569}"/>
                 </a:ext>
                 <a:ext uri="{C183D7F6-B498-43B3-948B-1728B52AA6E4}">
-                  <adec:decorative xmlns:adec="http://schemas.microsoft.com/office/drawing/2017/decorative" xmlns="" val="1"/>
+                  <adec:decorative xmlns:adec="http://schemas.microsoft.com/office/drawing/2017/decorative" val="1"/>
                 </a:ext>
               </a:extLst>
             </p:cNvPr>
@@ -19986,7 +19957,7 @@
                   <a16:creationId xmlns:a16="http://schemas.microsoft.com/office/drawing/2014/main" id="{979B62F0-D586-4440-B6EA-A53F8834ADD7}"/>
                 </a:ext>
                 <a:ext uri="{C183D7F6-B498-43B3-948B-1728B52AA6E4}">
-                  <adec:decorative xmlns:adec="http://schemas.microsoft.com/office/drawing/2017/decorative" xmlns="" val="1"/>
+                  <adec:decorative xmlns:adec="http://schemas.microsoft.com/office/drawing/2017/decorative" val="1"/>
                 </a:ext>
               </a:extLst>
             </p:cNvPr>
@@ -20095,7 +20066,7 @@
                   <a16:creationId xmlns:a16="http://schemas.microsoft.com/office/drawing/2014/main" id="{5ED8CFEF-17C9-4E71-BFE9-0178AC4BE303}"/>
                 </a:ext>
                 <a:ext uri="{C183D7F6-B498-43B3-948B-1728B52AA6E4}">
-                  <adec:decorative xmlns:adec="http://schemas.microsoft.com/office/drawing/2017/decorative" xmlns="" val="1"/>
+                  <adec:decorative xmlns:adec="http://schemas.microsoft.com/office/drawing/2017/decorative" val="1"/>
                 </a:ext>
               </a:extLst>
             </p:cNvPr>
@@ -20176,7 +20147,7 @@
                   <a16:creationId xmlns:a16="http://schemas.microsoft.com/office/drawing/2014/main" id="{CBAC0276-6BCD-4F32-BFA9-DF6B7D4974CF}"/>
                 </a:ext>
                 <a:ext uri="{C183D7F6-B498-43B3-948B-1728B52AA6E4}">
-                  <adec:decorative xmlns:adec="http://schemas.microsoft.com/office/drawing/2017/decorative" xmlns="" val="1"/>
+                  <adec:decorative xmlns:adec="http://schemas.microsoft.com/office/drawing/2017/decorative" val="1"/>
                 </a:ext>
               </a:extLst>
             </p:cNvPr>
@@ -20305,7 +20276,7 @@
                   <a16:creationId xmlns:a16="http://schemas.microsoft.com/office/drawing/2014/main" id="{66CA7D93-1C6A-4754-AB26-CA64118E04A9}"/>
                 </a:ext>
                 <a:ext uri="{C183D7F6-B498-43B3-948B-1728B52AA6E4}">
-                  <adec:decorative xmlns:adec="http://schemas.microsoft.com/office/drawing/2017/decorative" xmlns="" val="1"/>
+                  <adec:decorative xmlns:adec="http://schemas.microsoft.com/office/drawing/2017/decorative" val="1"/>
                 </a:ext>
               </a:extLst>
             </p:cNvPr>
@@ -20386,7 +20357,7 @@
                   <a16:creationId xmlns:a16="http://schemas.microsoft.com/office/drawing/2014/main" id="{6CF236AF-AFD0-42F5-8A64-722F3A980B10}"/>
                 </a:ext>
                 <a:ext uri="{C183D7F6-B498-43B3-948B-1728B52AA6E4}">
-                  <adec:decorative xmlns:adec="http://schemas.microsoft.com/office/drawing/2017/decorative" xmlns="" val="1"/>
+                  <adec:decorative xmlns:adec="http://schemas.microsoft.com/office/drawing/2017/decorative" val="1"/>
                 </a:ext>
               </a:extLst>
             </p:cNvPr>
@@ -20495,7 +20466,7 @@
                   <a16:creationId xmlns:a16="http://schemas.microsoft.com/office/drawing/2014/main" id="{EEC5A543-05FE-40E1-8331-A1315BD8C3F8}"/>
                 </a:ext>
                 <a:ext uri="{C183D7F6-B498-43B3-948B-1728B52AA6E4}">
-                  <adec:decorative xmlns:adec="http://schemas.microsoft.com/office/drawing/2017/decorative" xmlns="" val="1"/>
+                  <adec:decorative xmlns:adec="http://schemas.microsoft.com/office/drawing/2017/decorative" val="1"/>
                 </a:ext>
               </a:extLst>
             </p:cNvPr>
@@ -20604,7 +20575,7 @@
                   <a16:creationId xmlns:a16="http://schemas.microsoft.com/office/drawing/2014/main" id="{AB84A170-E65D-4A32-ADFD-959DABC337EE}"/>
                 </a:ext>
                 <a:ext uri="{C183D7F6-B498-43B3-948B-1728B52AA6E4}">
-                  <adec:decorative xmlns:adec="http://schemas.microsoft.com/office/drawing/2017/decorative" xmlns="" val="1"/>
+                  <adec:decorative xmlns:adec="http://schemas.microsoft.com/office/drawing/2017/decorative" val="1"/>
                 </a:ext>
               </a:extLst>
             </p:cNvPr>
@@ -20713,7 +20684,7 @@
                   <a16:creationId xmlns:a16="http://schemas.microsoft.com/office/drawing/2014/main" id="{B73B088D-6B8E-4020-AE59-909055BA6E55}"/>
                 </a:ext>
                 <a:ext uri="{C183D7F6-B498-43B3-948B-1728B52AA6E4}">
-                  <adec:decorative xmlns:adec="http://schemas.microsoft.com/office/drawing/2017/decorative" xmlns="" val="1"/>
+                  <adec:decorative xmlns:adec="http://schemas.microsoft.com/office/drawing/2017/decorative" val="1"/>
                 </a:ext>
               </a:extLst>
             </p:cNvPr>
@@ -20788,7 +20759,7 @@
                   <a16:creationId xmlns:a16="http://schemas.microsoft.com/office/drawing/2014/main" id="{E1F2737B-00FF-407D-BCEB-0AE92F64E592}"/>
                 </a:ext>
                 <a:ext uri="{C183D7F6-B498-43B3-948B-1728B52AA6E4}">
-                  <adec:decorative xmlns:adec="http://schemas.microsoft.com/office/drawing/2017/decorative" xmlns="" val="1"/>
+                  <adec:decorative xmlns:adec="http://schemas.microsoft.com/office/drawing/2017/decorative" val="1"/>
                 </a:ext>
               </a:extLst>
             </p:cNvPr>
@@ -20897,7 +20868,7 @@
                   <a16:creationId xmlns:a16="http://schemas.microsoft.com/office/drawing/2014/main" id="{3C08D638-075E-4A25-9DD9-526AC34500A1}"/>
                 </a:ext>
                 <a:ext uri="{C183D7F6-B498-43B3-948B-1728B52AA6E4}">
-                  <adec:decorative xmlns:adec="http://schemas.microsoft.com/office/drawing/2017/decorative" xmlns="" val="1"/>
+                  <adec:decorative xmlns:adec="http://schemas.microsoft.com/office/drawing/2017/decorative" val="1"/>
                 </a:ext>
               </a:extLst>
             </p:cNvPr>
@@ -20972,7 +20943,7 @@
                   <a16:creationId xmlns:a16="http://schemas.microsoft.com/office/drawing/2014/main" id="{E31F0173-8812-493B-99D9-7E379C9AF39A}"/>
                 </a:ext>
                 <a:ext uri="{C183D7F6-B498-43B3-948B-1728B52AA6E4}">
-                  <adec:decorative xmlns:adec="http://schemas.microsoft.com/office/drawing/2017/decorative" xmlns="" val="1"/>
+                  <adec:decorative xmlns:adec="http://schemas.microsoft.com/office/drawing/2017/decorative" val="1"/>
                 </a:ext>
               </a:extLst>
             </p:cNvPr>
@@ -21081,7 +21052,7 @@
                   <a16:creationId xmlns:a16="http://schemas.microsoft.com/office/drawing/2014/main" id="{90D0759E-EAF5-4E45-8E56-F615F5D95B35}"/>
                 </a:ext>
                 <a:ext uri="{C183D7F6-B498-43B3-948B-1728B52AA6E4}">
-                  <adec:decorative xmlns:adec="http://schemas.microsoft.com/office/drawing/2017/decorative" xmlns="" val="1"/>
+                  <adec:decorative xmlns:adec="http://schemas.microsoft.com/office/drawing/2017/decorative" val="1"/>
                 </a:ext>
               </a:extLst>
             </p:cNvPr>
@@ -21168,7 +21139,7 @@
                   <a16:creationId xmlns:a16="http://schemas.microsoft.com/office/drawing/2014/main" id="{0EF7441D-FFC7-4387-931A-32F902894B05}"/>
                 </a:ext>
                 <a:ext uri="{C183D7F6-B498-43B3-948B-1728B52AA6E4}">
-                  <adec:decorative xmlns:adec="http://schemas.microsoft.com/office/drawing/2017/decorative" xmlns="" val="1"/>
+                  <adec:decorative xmlns:adec="http://schemas.microsoft.com/office/drawing/2017/decorative" val="1"/>
                 </a:ext>
               </a:extLst>
             </p:cNvPr>
@@ -21249,7 +21220,7 @@
                   <a16:creationId xmlns:a16="http://schemas.microsoft.com/office/drawing/2014/main" id="{87A432F5-D6BF-47F4-8BF6-ADF158D20F9A}"/>
                 </a:ext>
                 <a:ext uri="{C183D7F6-B498-43B3-948B-1728B52AA6E4}">
-                  <adec:decorative xmlns:adec="http://schemas.microsoft.com/office/drawing/2017/decorative" xmlns="" val="1"/>
+                  <adec:decorative xmlns:adec="http://schemas.microsoft.com/office/drawing/2017/decorative" val="1"/>
                 </a:ext>
               </a:extLst>
             </p:cNvPr>
@@ -21358,7 +21329,7 @@
                   <a16:creationId xmlns:a16="http://schemas.microsoft.com/office/drawing/2014/main" id="{2EA0EA9D-CE16-41D2-8829-D7DA48BE578D}"/>
                 </a:ext>
                 <a:ext uri="{C183D7F6-B498-43B3-948B-1728B52AA6E4}">
-                  <adec:decorative xmlns:adec="http://schemas.microsoft.com/office/drawing/2017/decorative" xmlns="" val="1"/>
+                  <adec:decorative xmlns:adec="http://schemas.microsoft.com/office/drawing/2017/decorative" val="1"/>
                 </a:ext>
               </a:extLst>
             </p:cNvPr>
@@ -21445,7 +21416,7 @@
                   <a16:creationId xmlns:a16="http://schemas.microsoft.com/office/drawing/2014/main" id="{DF81ADF5-C884-4AE6-9FF3-FB3BBD897334}"/>
                 </a:ext>
                 <a:ext uri="{C183D7F6-B498-43B3-948B-1728B52AA6E4}">
-                  <adec:decorative xmlns:adec="http://schemas.microsoft.com/office/drawing/2017/decorative" xmlns="" val="1"/>
+                  <adec:decorative xmlns:adec="http://schemas.microsoft.com/office/drawing/2017/decorative" val="1"/>
                 </a:ext>
               </a:extLst>
             </p:cNvPr>
@@ -21526,7 +21497,7 @@
                   <a16:creationId xmlns:a16="http://schemas.microsoft.com/office/drawing/2014/main" id="{F5F83D7E-B647-4DBB-9DB4-BF9F165CCA05}"/>
                 </a:ext>
                 <a:ext uri="{C183D7F6-B498-43B3-948B-1728B52AA6E4}">
-                  <adec:decorative xmlns:adec="http://schemas.microsoft.com/office/drawing/2017/decorative" xmlns="" val="1"/>
+                  <adec:decorative xmlns:adec="http://schemas.microsoft.com/office/drawing/2017/decorative" val="1"/>
                 </a:ext>
               </a:extLst>
             </p:cNvPr>
@@ -21635,7 +21606,7 @@
                   <a16:creationId xmlns:a16="http://schemas.microsoft.com/office/drawing/2014/main" id="{116584A3-F251-4AD0-9B47-612841CFA25E}"/>
                 </a:ext>
                 <a:ext uri="{C183D7F6-B498-43B3-948B-1728B52AA6E4}">
-                  <adec:decorative xmlns:adec="http://schemas.microsoft.com/office/drawing/2017/decorative" xmlns="" val="1"/>
+                  <adec:decorative xmlns:adec="http://schemas.microsoft.com/office/drawing/2017/decorative" val="1"/>
                 </a:ext>
               </a:extLst>
             </p:cNvPr>
@@ -21716,7 +21687,7 @@
                   <a16:creationId xmlns:a16="http://schemas.microsoft.com/office/drawing/2014/main" id="{76B8443D-9DFB-454E-94C6-5C6EA445D340}"/>
                 </a:ext>
                 <a:ext uri="{C183D7F6-B498-43B3-948B-1728B52AA6E4}">
-                  <adec:decorative xmlns:adec="http://schemas.microsoft.com/office/drawing/2017/decorative" xmlns="" val="1"/>
+                  <adec:decorative xmlns:adec="http://schemas.microsoft.com/office/drawing/2017/decorative" val="1"/>
                 </a:ext>
               </a:extLst>
             </p:cNvPr>
@@ -21825,7 +21796,7 @@
                   <a16:creationId xmlns:a16="http://schemas.microsoft.com/office/drawing/2014/main" id="{B85D0ABE-8894-4A4D-9405-8EDC336F7CF7}"/>
                 </a:ext>
                 <a:ext uri="{C183D7F6-B498-43B3-948B-1728B52AA6E4}">
-                  <adec:decorative xmlns:adec="http://schemas.microsoft.com/office/drawing/2017/decorative" xmlns="" val="1"/>
+                  <adec:decorative xmlns:adec="http://schemas.microsoft.com/office/drawing/2017/decorative" val="1"/>
                 </a:ext>
               </a:extLst>
             </p:cNvPr>
@@ -21906,7 +21877,7 @@
                   <a16:creationId xmlns:a16="http://schemas.microsoft.com/office/drawing/2014/main" id="{F8FDC00D-04A0-4778-93A8-15ACDB96603A}"/>
                 </a:ext>
                 <a:ext uri="{C183D7F6-B498-43B3-948B-1728B52AA6E4}">
-                  <adec:decorative xmlns:adec="http://schemas.microsoft.com/office/drawing/2017/decorative" xmlns="" val="1"/>
+                  <adec:decorative xmlns:adec="http://schemas.microsoft.com/office/drawing/2017/decorative" val="1"/>
                 </a:ext>
               </a:extLst>
             </p:cNvPr>
@@ -22015,7 +21986,7 @@
                   <a16:creationId xmlns:a16="http://schemas.microsoft.com/office/drawing/2014/main" id="{DC88B705-1D52-444A-A216-AECCB6455A1E}"/>
                 </a:ext>
                 <a:ext uri="{C183D7F6-B498-43B3-948B-1728B52AA6E4}">
-                  <adec:decorative xmlns:adec="http://schemas.microsoft.com/office/drawing/2017/decorative" xmlns="" val="1"/>
+                  <adec:decorative xmlns:adec="http://schemas.microsoft.com/office/drawing/2017/decorative" val="1"/>
                 </a:ext>
               </a:extLst>
             </p:cNvPr>
@@ -22102,7 +22073,7 @@
                   <a16:creationId xmlns:a16="http://schemas.microsoft.com/office/drawing/2014/main" id="{56810B47-50F8-43D0-B06F-DE64BBCFC050}"/>
                 </a:ext>
                 <a:ext uri="{C183D7F6-B498-43B3-948B-1728B52AA6E4}">
-                  <adec:decorative xmlns:adec="http://schemas.microsoft.com/office/drawing/2017/decorative" xmlns="" val="1"/>
+                  <adec:decorative xmlns:adec="http://schemas.microsoft.com/office/drawing/2017/decorative" val="1"/>
                 </a:ext>
               </a:extLst>
             </p:cNvPr>
@@ -22212,7 +22183,7 @@
                 <a16:creationId xmlns:a16="http://schemas.microsoft.com/office/drawing/2014/main" id="{ECB4FAF7-DF49-4DC4-B0B0-3808041BEC4A}"/>
               </a:ext>
               <a:ext uri="{C183D7F6-B498-43B3-948B-1728B52AA6E4}">
-                <adec:decorative xmlns:adec="http://schemas.microsoft.com/office/drawing/2017/decorative" xmlns="" val="1"/>
+                <adec:decorative xmlns:adec="http://schemas.microsoft.com/office/drawing/2017/decorative" val="1"/>
               </a:ext>
             </a:extLst>
           </p:cNvPr>
@@ -22276,7 +22247,7 @@
                 <a16:creationId xmlns:a16="http://schemas.microsoft.com/office/drawing/2014/main" id="{DB0DE896-2E14-4539-B830-DEC06F6475A6}"/>
               </a:ext>
               <a:ext uri="{C183D7F6-B498-43B3-948B-1728B52AA6E4}">
-                <adec:decorative xmlns:adec="http://schemas.microsoft.com/office/drawing/2017/decorative" xmlns="" val="1"/>
+                <adec:decorative xmlns:adec="http://schemas.microsoft.com/office/drawing/2017/decorative" val="1"/>
               </a:ext>
             </a:extLst>
           </p:cNvPr>
@@ -22980,7 +22951,7 @@
             <p:ph idx="1"/>
             <p:extLst>
               <p:ext uri="{D42A27DB-BD31-4B8C-83A1-F6EECF244321}">
-                <p14:modId xmlns:p14="http://schemas.microsoft.com/office/powerpoint/2010/main" val="840452502"/>
+                <p14:modId xmlns:p14="http://schemas.microsoft.com/office/powerpoint/2010/main" val="1937452826"/>
               </p:ext>
             </p:extLst>
           </p:nvPr>
@@ -23224,7 +23195,7 @@
                         </a:spcAft>
                       </a:pPr>
                       <a:r>
-                        <a:rPr lang="es-MX" sz="1600" smtClean="0">
+                        <a:rPr lang="es-MX" sz="1600" dirty="0">
                           <a:effectLst/>
                         </a:rPr>
                         <a:t>Se debe mejorar la planificación de las reuniones del equipo para efectuar una fecha en la que todos los integrantes puedan asistir y mejorar el liderazgo en el grupo.</a:t>
@@ -23334,7 +23305,7 @@
                         </a:spcAft>
                       </a:pPr>
                       <a:r>
-                        <a:rPr lang="es-MX" sz="1600" dirty="0" smtClean="0">
+                        <a:rPr lang="es-MX" sz="1600" dirty="0">
                           <a:effectLst/>
                         </a:rPr>
                         <a:t>Aportar más en el desarrollo de la fase de implementación.</a:t>
@@ -23446,14 +23417,17 @@
                           <a:spcPts val="600"/>
                         </a:spcAft>
                       </a:pPr>
-                      <a:endParaRPr lang="es-CO" sz="1800" dirty="0">
-                        <a:solidFill>
-                          <a:srgbClr val="000000"/>
-                        </a:solidFill>
-                        <a:effectLst/>
-                        <a:latin typeface="Arial" panose="020B0604020202020204" pitchFamily="34" charset="0"/>
-                        <a:ea typeface="Times New Roman" panose="02020603050405020304" pitchFamily="18" charset="0"/>
-                      </a:endParaRPr>
+                      <a:r>
+                        <a:rPr lang="es-CO" sz="1600" dirty="0">
+                          <a:solidFill>
+                            <a:srgbClr val="000000"/>
+                          </a:solidFill>
+                          <a:effectLst/>
+                          <a:latin typeface="+mn-lt"/>
+                          <a:ea typeface="Times New Roman" panose="02020603050405020304" pitchFamily="18" charset="0"/>
+                        </a:rPr>
+                        <a:t>Planificar con mayor antelación las reuniones y estimar con mayor exactitud los tiempos de entrega</a:t>
+                      </a:r>
                     </a:p>
                   </a:txBody>
                   <a:tcPr marL="68580" marR="68580" marT="0" marB="0"/>
@@ -23551,7 +23525,7 @@
                         </a:spcAft>
                       </a:pPr>
                       <a:r>
-                        <a:rPr lang="es-MX" sz="1600" dirty="0" smtClean="0">
+                        <a:rPr lang="es-MX" sz="1600" dirty="0">
                           <a:effectLst/>
                         </a:rPr>
                         <a:t>Tener más en cuenta las herramientas administrativas, además de tener un control más exhaustivo de la documentación y la implementación.</a:t>
@@ -27693,10 +27667,6 @@
               <a:rPr lang="es-MX"/>
               <a:t>* Se asegura que se cumpla con la planeación del equipo.</a:t>
             </a:r>
-            <a:r>
-              <a:rPr lang="es-CO"/>
-              <a:t/>
-            </a:r>
             <a:br>
               <a:rPr lang="es-CO"/>
             </a:br>
